--- a/docs/assets/Computer Network.pptx
+++ b/docs/assets/Computer Network.pptx
@@ -7,6 +7,33 @@
   <p:sldIdLst>
     <p:sldId id="256" r:id="rId2"/>
     <p:sldId id="257" r:id="rId3"/>
+    <p:sldId id="258" r:id="rId4"/>
+    <p:sldId id="259" r:id="rId5"/>
+    <p:sldId id="260" r:id="rId6"/>
+    <p:sldId id="261" r:id="rId7"/>
+    <p:sldId id="262" r:id="rId8"/>
+    <p:sldId id="264" r:id="rId9"/>
+    <p:sldId id="263" r:id="rId10"/>
+    <p:sldId id="265" r:id="rId11"/>
+    <p:sldId id="266" r:id="rId12"/>
+    <p:sldId id="267" r:id="rId13"/>
+    <p:sldId id="268" r:id="rId14"/>
+    <p:sldId id="269" r:id="rId15"/>
+    <p:sldId id="270" r:id="rId16"/>
+    <p:sldId id="272" r:id="rId17"/>
+    <p:sldId id="271" r:id="rId18"/>
+    <p:sldId id="273" r:id="rId19"/>
+    <p:sldId id="274" r:id="rId20"/>
+    <p:sldId id="275" r:id="rId21"/>
+    <p:sldId id="276" r:id="rId22"/>
+    <p:sldId id="278" r:id="rId23"/>
+    <p:sldId id="277" r:id="rId24"/>
+    <p:sldId id="279" r:id="rId25"/>
+    <p:sldId id="280" r:id="rId26"/>
+    <p:sldId id="281" r:id="rId27"/>
+    <p:sldId id="282" r:id="rId28"/>
+    <p:sldId id="284" r:id="rId29"/>
+    <p:sldId id="283" r:id="rId30"/>
   </p:sldIdLst>
   <p:sldSz cx="12192000" cy="6858000"/>
   <p:notesSz cx="6858000" cy="9144000"/>
@@ -105,6 +132,11 @@
       </a:defRPr>
     </a:lvl9pPr>
   </p:defaultTextStyle>
+  <p:extLst>
+    <p:ext uri="{EFAFB233-063F-42B5-8137-9DF3F51BA10A}">
+      <p15:sldGuideLst xmlns:p15="http://schemas.microsoft.com/office/powerpoint/2012/main"/>
+    </p:ext>
+  </p:extLst>
 </p:presentation>
 </file>
 
@@ -255,7 +287,7 @@
           <a:p>
             <a:fld id="{2E14A0E4-0193-4866-AB10-282BE2216922}" type="datetimeFigureOut">
               <a:rPr lang="zh-CN" altLang="en-US" smtClean="0"/>
-              <a:t>2021/8/2</a:t>
+              <a:t>2021/8/5</a:t>
             </a:fld>
             <a:endParaRPr lang="zh-CN" altLang="en-US"/>
           </a:p>
@@ -453,7 +485,7 @@
           <a:p>
             <a:fld id="{2E14A0E4-0193-4866-AB10-282BE2216922}" type="datetimeFigureOut">
               <a:rPr lang="zh-CN" altLang="en-US" smtClean="0"/>
-              <a:t>2021/8/2</a:t>
+              <a:t>2021/8/5</a:t>
             </a:fld>
             <a:endParaRPr lang="zh-CN" altLang="en-US"/>
           </a:p>
@@ -661,7 +693,7 @@
           <a:p>
             <a:fld id="{2E14A0E4-0193-4866-AB10-282BE2216922}" type="datetimeFigureOut">
               <a:rPr lang="zh-CN" altLang="en-US" smtClean="0"/>
-              <a:t>2021/8/2</a:t>
+              <a:t>2021/8/5</a:t>
             </a:fld>
             <a:endParaRPr lang="zh-CN" altLang="en-US"/>
           </a:p>
@@ -859,7 +891,7 @@
           <a:p>
             <a:fld id="{2E14A0E4-0193-4866-AB10-282BE2216922}" type="datetimeFigureOut">
               <a:rPr lang="zh-CN" altLang="en-US" smtClean="0"/>
-              <a:t>2021/8/2</a:t>
+              <a:t>2021/8/5</a:t>
             </a:fld>
             <a:endParaRPr lang="zh-CN" altLang="en-US"/>
           </a:p>
@@ -1134,7 +1166,7 @@
           <a:p>
             <a:fld id="{2E14A0E4-0193-4866-AB10-282BE2216922}" type="datetimeFigureOut">
               <a:rPr lang="zh-CN" altLang="en-US" smtClean="0"/>
-              <a:t>2021/8/2</a:t>
+              <a:t>2021/8/5</a:t>
             </a:fld>
             <a:endParaRPr lang="zh-CN" altLang="en-US"/>
           </a:p>
@@ -1399,7 +1431,7 @@
           <a:p>
             <a:fld id="{2E14A0E4-0193-4866-AB10-282BE2216922}" type="datetimeFigureOut">
               <a:rPr lang="zh-CN" altLang="en-US" smtClean="0"/>
-              <a:t>2021/8/2</a:t>
+              <a:t>2021/8/5</a:t>
             </a:fld>
             <a:endParaRPr lang="zh-CN" altLang="en-US"/>
           </a:p>
@@ -1811,7 +1843,7 @@
           <a:p>
             <a:fld id="{2E14A0E4-0193-4866-AB10-282BE2216922}" type="datetimeFigureOut">
               <a:rPr lang="zh-CN" altLang="en-US" smtClean="0"/>
-              <a:t>2021/8/2</a:t>
+              <a:t>2021/8/5</a:t>
             </a:fld>
             <a:endParaRPr lang="zh-CN" altLang="en-US"/>
           </a:p>
@@ -1952,7 +1984,7 @@
           <a:p>
             <a:fld id="{2E14A0E4-0193-4866-AB10-282BE2216922}" type="datetimeFigureOut">
               <a:rPr lang="zh-CN" altLang="en-US" smtClean="0"/>
-              <a:t>2021/8/2</a:t>
+              <a:t>2021/8/5</a:t>
             </a:fld>
             <a:endParaRPr lang="zh-CN" altLang="en-US"/>
           </a:p>
@@ -2065,7 +2097,7 @@
           <a:p>
             <a:fld id="{2E14A0E4-0193-4866-AB10-282BE2216922}" type="datetimeFigureOut">
               <a:rPr lang="zh-CN" altLang="en-US" smtClean="0"/>
-              <a:t>2021/8/2</a:t>
+              <a:t>2021/8/5</a:t>
             </a:fld>
             <a:endParaRPr lang="zh-CN" altLang="en-US"/>
           </a:p>
@@ -2376,7 +2408,7 @@
           <a:p>
             <a:fld id="{2E14A0E4-0193-4866-AB10-282BE2216922}" type="datetimeFigureOut">
               <a:rPr lang="zh-CN" altLang="en-US" smtClean="0"/>
-              <a:t>2021/8/2</a:t>
+              <a:t>2021/8/5</a:t>
             </a:fld>
             <a:endParaRPr lang="zh-CN" altLang="en-US"/>
           </a:p>
@@ -2664,7 +2696,7 @@
           <a:p>
             <a:fld id="{2E14A0E4-0193-4866-AB10-282BE2216922}" type="datetimeFigureOut">
               <a:rPr lang="zh-CN" altLang="en-US" smtClean="0"/>
-              <a:t>2021/8/2</a:t>
+              <a:t>2021/8/5</a:t>
             </a:fld>
             <a:endParaRPr lang="zh-CN" altLang="en-US"/>
           </a:p>
@@ -2905,7 +2937,7 @@
           <a:p>
             <a:fld id="{2E14A0E4-0193-4866-AB10-282BE2216922}" type="datetimeFigureOut">
               <a:rPr lang="zh-CN" altLang="en-US" smtClean="0"/>
-              <a:t>2021/8/2</a:t>
+              <a:t>2021/8/5</a:t>
             </a:fld>
             <a:endParaRPr lang="zh-CN" altLang="en-US"/>
           </a:p>
@@ -3391,6 +3423,1361 @@
 </p:sld>
 </file>
 
+<file path=ppt/slides/slide10.xml><?xml version="1.0" encoding="utf-8"?>
+<p:sld xmlns:a="http://schemas.openxmlformats.org/drawingml/2006/main" xmlns:r="http://schemas.openxmlformats.org/officeDocument/2006/relationships" xmlns:p="http://schemas.openxmlformats.org/presentationml/2006/main">
+  <p:cSld>
+    <p:spTree>
+      <p:nvGrpSpPr>
+        <p:cNvPr id="1" name=""/>
+        <p:cNvGrpSpPr/>
+        <p:nvPr/>
+      </p:nvGrpSpPr>
+      <p:grpSpPr>
+        <a:xfrm>
+          <a:off x="0" y="0"/>
+          <a:ext cx="0" cy="0"/>
+          <a:chOff x="0" y="0"/>
+          <a:chExt cx="0" cy="0"/>
+        </a:xfrm>
+      </p:grpSpPr>
+      <p:sp>
+        <p:nvSpPr>
+          <p:cNvPr id="2" name="标题 1">
+            <a:extLst>
+              <a:ext uri="{FF2B5EF4-FFF2-40B4-BE49-F238E27FC236}">
+                <a16:creationId xmlns:a16="http://schemas.microsoft.com/office/drawing/2014/main" id="{BCA99750-1645-4867-ABAE-59A9ACD489F1}"/>
+              </a:ext>
+            </a:extLst>
+          </p:cNvPr>
+          <p:cNvSpPr>
+            <a:spLocks noGrp="1"/>
+          </p:cNvSpPr>
+          <p:nvPr>
+            <p:ph type="title"/>
+          </p:nvPr>
+        </p:nvSpPr>
+        <p:spPr/>
+        <p:txBody>
+          <a:bodyPr/>
+          <a:lstStyle/>
+          <a:p>
+            <a:r>
+              <a:rPr lang="en-US" altLang="zh-CN" dirty="0"/>
+              <a:t>TCP &amp; UDP</a:t>
+            </a:r>
+            <a:endParaRPr lang="zh-CN" altLang="en-US" dirty="0"/>
+          </a:p>
+        </p:txBody>
+      </p:sp>
+      <p:sp>
+        <p:nvSpPr>
+          <p:cNvPr id="3" name="内容占位符 2">
+            <a:extLst>
+              <a:ext uri="{FF2B5EF4-FFF2-40B4-BE49-F238E27FC236}">
+                <a16:creationId xmlns:a16="http://schemas.microsoft.com/office/drawing/2014/main" id="{D367A0A2-07E6-4651-B4A1-2E7DFA1B1BDC}"/>
+              </a:ext>
+            </a:extLst>
+          </p:cNvPr>
+          <p:cNvSpPr>
+            <a:spLocks noGrp="1"/>
+          </p:cNvSpPr>
+          <p:nvPr>
+            <p:ph idx="1"/>
+          </p:nvPr>
+        </p:nvSpPr>
+        <p:spPr/>
+        <p:txBody>
+          <a:bodyPr/>
+          <a:lstStyle/>
+          <a:p>
+            <a:r>
+              <a:rPr lang="en-US" altLang="zh-CN" dirty="0"/>
+              <a:t>TCP:</a:t>
+            </a:r>
+          </a:p>
+          <a:p>
+            <a:pPr lvl="1"/>
+            <a:r>
+              <a:rPr lang="en-US" altLang="zh-CN" dirty="0"/>
+              <a:t>Reliable data transmission.</a:t>
+            </a:r>
+          </a:p>
+          <a:p>
+            <a:pPr lvl="1"/>
+            <a:r>
+              <a:rPr lang="en-US" altLang="zh-CN" dirty="0"/>
+              <a:t>Connection Oriented.</a:t>
+            </a:r>
+          </a:p>
+          <a:p>
+            <a:r>
+              <a:rPr lang="en-US" altLang="zh-CN" dirty="0"/>
+              <a:t>UDP:</a:t>
+            </a:r>
+          </a:p>
+          <a:p>
+            <a:pPr lvl="1"/>
+            <a:endParaRPr lang="zh-CN" altLang="en-US" dirty="0"/>
+          </a:p>
+        </p:txBody>
+      </p:sp>
+      <p:pic>
+        <p:nvPicPr>
+          <p:cNvPr id="1026" name="Picture 2" descr="Id tell you a joke about UDP but you might not get it: Funny with a hint of  sarcasm Novelty Notebook 110 pages (8.5 x 11 inch) Large Composition Book,  ... Productive">
+            <a:extLst>
+              <a:ext uri="{FF2B5EF4-FFF2-40B4-BE49-F238E27FC236}">
+                <a16:creationId xmlns:a16="http://schemas.microsoft.com/office/drawing/2014/main" id="{54BB8EA0-B8F6-4F8C-8854-6BB064A3661D}"/>
+              </a:ext>
+            </a:extLst>
+          </p:cNvPr>
+          <p:cNvPicPr>
+            <a:picLocks noChangeAspect="1" noChangeArrowheads="1"/>
+          </p:cNvPicPr>
+          <p:nvPr/>
+        </p:nvPicPr>
+        <p:blipFill>
+          <a:blip r:embed="rId2">
+            <a:extLst>
+              <a:ext uri="{28A0092B-C50C-407E-A947-70E740481C1C}">
+                <a14:useLocalDpi xmlns:a14="http://schemas.microsoft.com/office/drawing/2010/main" val="0"/>
+              </a:ext>
+            </a:extLst>
+          </a:blip>
+          <a:srcRect/>
+          <a:stretch>
+            <a:fillRect/>
+          </a:stretch>
+        </p:blipFill>
+        <p:spPr bwMode="auto">
+          <a:xfrm>
+            <a:off x="838200" y="3657600"/>
+            <a:ext cx="2476500" cy="3200400"/>
+          </a:xfrm>
+          <a:prstGeom prst="rect">
+            <a:avLst/>
+          </a:prstGeom>
+          <a:noFill/>
+          <a:extLst>
+            <a:ext uri="{909E8E84-426E-40DD-AFC4-6F175D3DCCD1}">
+              <a14:hiddenFill xmlns:a14="http://schemas.microsoft.com/office/drawing/2010/main">
+                <a:solidFill>
+                  <a:srgbClr val="FFFFFF"/>
+                </a:solidFill>
+              </a14:hiddenFill>
+            </a:ext>
+          </a:extLst>
+        </p:spPr>
+      </p:pic>
+    </p:spTree>
+    <p:extLst>
+      <p:ext uri="{BB962C8B-B14F-4D97-AF65-F5344CB8AC3E}">
+        <p14:creationId xmlns:p14="http://schemas.microsoft.com/office/powerpoint/2010/main" val="1648134929"/>
+      </p:ext>
+    </p:extLst>
+  </p:cSld>
+  <p:clrMapOvr>
+    <a:masterClrMapping/>
+  </p:clrMapOvr>
+</p:sld>
+</file>
+
+<file path=ppt/slides/slide11.xml><?xml version="1.0" encoding="utf-8"?>
+<p:sld xmlns:a="http://schemas.openxmlformats.org/drawingml/2006/main" xmlns:r="http://schemas.openxmlformats.org/officeDocument/2006/relationships" xmlns:p="http://schemas.openxmlformats.org/presentationml/2006/main">
+  <p:cSld>
+    <p:spTree>
+      <p:nvGrpSpPr>
+        <p:cNvPr id="1" name=""/>
+        <p:cNvGrpSpPr/>
+        <p:nvPr/>
+      </p:nvGrpSpPr>
+      <p:grpSpPr>
+        <a:xfrm>
+          <a:off x="0" y="0"/>
+          <a:ext cx="0" cy="0"/>
+          <a:chOff x="0" y="0"/>
+          <a:chExt cx="0" cy="0"/>
+        </a:xfrm>
+      </p:grpSpPr>
+      <p:sp>
+        <p:nvSpPr>
+          <p:cNvPr id="2" name="标题 1">
+            <a:extLst>
+              <a:ext uri="{FF2B5EF4-FFF2-40B4-BE49-F238E27FC236}">
+                <a16:creationId xmlns:a16="http://schemas.microsoft.com/office/drawing/2014/main" id="{9B0C76F1-CE30-411B-A9BE-8A1D121E928C}"/>
+              </a:ext>
+            </a:extLst>
+          </p:cNvPr>
+          <p:cNvSpPr>
+            <a:spLocks noGrp="1"/>
+          </p:cNvSpPr>
+          <p:nvPr>
+            <p:ph type="title"/>
+          </p:nvPr>
+        </p:nvSpPr>
+        <p:spPr/>
+        <p:txBody>
+          <a:bodyPr/>
+          <a:lstStyle/>
+          <a:p>
+            <a:r>
+              <a:rPr lang="en-US" altLang="zh-CN" dirty="0"/>
+              <a:t>HTTP</a:t>
+            </a:r>
+            <a:endParaRPr lang="zh-CN" altLang="en-US" dirty="0"/>
+          </a:p>
+        </p:txBody>
+      </p:sp>
+      <p:sp>
+        <p:nvSpPr>
+          <p:cNvPr id="3" name="内容占位符 2">
+            <a:extLst>
+              <a:ext uri="{FF2B5EF4-FFF2-40B4-BE49-F238E27FC236}">
+                <a16:creationId xmlns:a16="http://schemas.microsoft.com/office/drawing/2014/main" id="{974B14D7-CF1E-4AE4-855B-C1A33B123AF3}"/>
+              </a:ext>
+            </a:extLst>
+          </p:cNvPr>
+          <p:cNvSpPr>
+            <a:spLocks noGrp="1"/>
+          </p:cNvSpPr>
+          <p:nvPr>
+            <p:ph idx="1"/>
+          </p:nvPr>
+        </p:nvSpPr>
+        <p:spPr/>
+        <p:txBody>
+          <a:bodyPr/>
+          <a:lstStyle/>
+          <a:p>
+            <a:r>
+              <a:rPr lang="en-US" altLang="zh-CN" dirty="0"/>
+              <a:t>Hyper Text Transfer Protocol, HTTP.</a:t>
+            </a:r>
+          </a:p>
+          <a:p>
+            <a:r>
+              <a:rPr lang="en-US" altLang="zh-CN" dirty="0"/>
+              <a:t>Web: objects / elements.</a:t>
+            </a:r>
+          </a:p>
+          <a:p>
+            <a:endParaRPr lang="en-US" altLang="zh-CN" dirty="0"/>
+          </a:p>
+          <a:p>
+            <a:endParaRPr lang="en-US" altLang="zh-CN" dirty="0"/>
+          </a:p>
+          <a:p>
+            <a:endParaRPr lang="en-US" altLang="zh-CN" dirty="0"/>
+          </a:p>
+          <a:p>
+            <a:endParaRPr lang="en-US" altLang="zh-CN" dirty="0"/>
+          </a:p>
+          <a:p>
+            <a:endParaRPr lang="en-US" altLang="zh-CN" dirty="0"/>
+          </a:p>
+          <a:p>
+            <a:r>
+              <a:rPr lang="en-US" altLang="zh-CN" dirty="0"/>
+              <a:t>HTTP</a:t>
+            </a:r>
+            <a:r>
+              <a:rPr lang="zh-CN" altLang="en-US" dirty="0"/>
+              <a:t> </a:t>
+            </a:r>
+            <a:r>
+              <a:rPr lang="en-US" altLang="zh-CN" dirty="0"/>
+              <a:t>uses</a:t>
+            </a:r>
+            <a:r>
+              <a:rPr lang="zh-CN" altLang="en-US" dirty="0"/>
+              <a:t> </a:t>
+            </a:r>
+            <a:r>
+              <a:rPr lang="en-US" altLang="zh-CN" dirty="0"/>
+              <a:t>TCP.</a:t>
+            </a:r>
+          </a:p>
+        </p:txBody>
+      </p:sp>
+      <p:pic>
+        <p:nvPicPr>
+          <p:cNvPr id="5" name="图片 4">
+            <a:extLst>
+              <a:ext uri="{FF2B5EF4-FFF2-40B4-BE49-F238E27FC236}">
+                <a16:creationId xmlns:a16="http://schemas.microsoft.com/office/drawing/2014/main" id="{A2E23BDC-AFE2-47F1-8406-D176EEE4D099}"/>
+              </a:ext>
+            </a:extLst>
+          </p:cNvPr>
+          <p:cNvPicPr>
+            <a:picLocks noChangeAspect="1"/>
+          </p:cNvPicPr>
+          <p:nvPr/>
+        </p:nvPicPr>
+        <p:blipFill>
+          <a:blip r:embed="rId2"/>
+          <a:stretch>
+            <a:fillRect/>
+          </a:stretch>
+        </p:blipFill>
+        <p:spPr>
+          <a:xfrm>
+            <a:off x="838200" y="2848133"/>
+            <a:ext cx="2895238" cy="2533333"/>
+          </a:xfrm>
+          <a:prstGeom prst="rect">
+            <a:avLst/>
+          </a:prstGeom>
+        </p:spPr>
+      </p:pic>
+    </p:spTree>
+    <p:extLst>
+      <p:ext uri="{BB962C8B-B14F-4D97-AF65-F5344CB8AC3E}">
+        <p14:creationId xmlns:p14="http://schemas.microsoft.com/office/powerpoint/2010/main" val="2973971089"/>
+      </p:ext>
+    </p:extLst>
+  </p:cSld>
+  <p:clrMapOvr>
+    <a:masterClrMapping/>
+  </p:clrMapOvr>
+</p:sld>
+</file>
+
+<file path=ppt/slides/slide12.xml><?xml version="1.0" encoding="utf-8"?>
+<p:sld xmlns:a="http://schemas.openxmlformats.org/drawingml/2006/main" xmlns:r="http://schemas.openxmlformats.org/officeDocument/2006/relationships" xmlns:p="http://schemas.openxmlformats.org/presentationml/2006/main">
+  <p:cSld>
+    <p:spTree>
+      <p:nvGrpSpPr>
+        <p:cNvPr id="1" name=""/>
+        <p:cNvGrpSpPr/>
+        <p:nvPr/>
+      </p:nvGrpSpPr>
+      <p:grpSpPr>
+        <a:xfrm>
+          <a:off x="0" y="0"/>
+          <a:ext cx="0" cy="0"/>
+          <a:chOff x="0" y="0"/>
+          <a:chExt cx="0" cy="0"/>
+        </a:xfrm>
+      </p:grpSpPr>
+      <p:sp>
+        <p:nvSpPr>
+          <p:cNvPr id="2" name="标题 1">
+            <a:extLst>
+              <a:ext uri="{FF2B5EF4-FFF2-40B4-BE49-F238E27FC236}">
+                <a16:creationId xmlns:a16="http://schemas.microsoft.com/office/drawing/2014/main" id="{7CBCFC28-D593-45AC-8993-7808D16C5A06}"/>
+              </a:ext>
+            </a:extLst>
+          </p:cNvPr>
+          <p:cNvSpPr>
+            <a:spLocks noGrp="1"/>
+          </p:cNvSpPr>
+          <p:nvPr>
+            <p:ph type="title"/>
+          </p:nvPr>
+        </p:nvSpPr>
+        <p:spPr/>
+        <p:txBody>
+          <a:bodyPr/>
+          <a:lstStyle/>
+          <a:p>
+            <a:r>
+              <a:rPr lang="en-US" altLang="zh-CN" dirty="0"/>
+              <a:t>HTTP</a:t>
+            </a:r>
+            <a:endParaRPr lang="zh-CN" altLang="en-US" dirty="0"/>
+          </a:p>
+        </p:txBody>
+      </p:sp>
+      <p:pic>
+        <p:nvPicPr>
+          <p:cNvPr id="2050" name="Picture 2">
+            <a:extLst>
+              <a:ext uri="{FF2B5EF4-FFF2-40B4-BE49-F238E27FC236}">
+                <a16:creationId xmlns:a16="http://schemas.microsoft.com/office/drawing/2014/main" id="{16E59FF5-D073-4B9E-8890-78EAA194C428}"/>
+              </a:ext>
+            </a:extLst>
+          </p:cNvPr>
+          <p:cNvPicPr>
+            <a:picLocks noGrp="1" noChangeAspect="1" noChangeArrowheads="1"/>
+          </p:cNvPicPr>
+          <p:nvPr>
+            <p:ph idx="1"/>
+          </p:nvPr>
+        </p:nvPicPr>
+        <p:blipFill>
+          <a:blip r:embed="rId2">
+            <a:extLst>
+              <a:ext uri="{28A0092B-C50C-407E-A947-70E740481C1C}">
+                <a14:useLocalDpi xmlns:a14="http://schemas.microsoft.com/office/drawing/2010/main" val="0"/>
+              </a:ext>
+            </a:extLst>
+          </a:blip>
+          <a:srcRect/>
+          <a:stretch>
+            <a:fillRect/>
+          </a:stretch>
+        </p:blipFill>
+        <p:spPr bwMode="auto">
+          <a:xfrm>
+            <a:off x="838200" y="2439655"/>
+            <a:ext cx="10515600" cy="3123277"/>
+          </a:xfrm>
+          <a:prstGeom prst="rect">
+            <a:avLst/>
+          </a:prstGeom>
+          <a:noFill/>
+          <a:extLst>
+            <a:ext uri="{909E8E84-426E-40DD-AFC4-6F175D3DCCD1}">
+              <a14:hiddenFill xmlns:a14="http://schemas.microsoft.com/office/drawing/2010/main">
+                <a:solidFill>
+                  <a:srgbClr val="FFFFFF"/>
+                </a:solidFill>
+              </a14:hiddenFill>
+            </a:ext>
+          </a:extLst>
+        </p:spPr>
+      </p:pic>
+    </p:spTree>
+    <p:extLst>
+      <p:ext uri="{BB962C8B-B14F-4D97-AF65-F5344CB8AC3E}">
+        <p14:creationId xmlns:p14="http://schemas.microsoft.com/office/powerpoint/2010/main" val="3117837140"/>
+      </p:ext>
+    </p:extLst>
+  </p:cSld>
+  <p:clrMapOvr>
+    <a:masterClrMapping/>
+  </p:clrMapOvr>
+</p:sld>
+</file>
+
+<file path=ppt/slides/slide13.xml><?xml version="1.0" encoding="utf-8"?>
+<p:sld xmlns:a="http://schemas.openxmlformats.org/drawingml/2006/main" xmlns:r="http://schemas.openxmlformats.org/officeDocument/2006/relationships" xmlns:p="http://schemas.openxmlformats.org/presentationml/2006/main">
+  <p:cSld>
+    <p:spTree>
+      <p:nvGrpSpPr>
+        <p:cNvPr id="1" name=""/>
+        <p:cNvGrpSpPr/>
+        <p:nvPr/>
+      </p:nvGrpSpPr>
+      <p:grpSpPr>
+        <a:xfrm>
+          <a:off x="0" y="0"/>
+          <a:ext cx="0" cy="0"/>
+          <a:chOff x="0" y="0"/>
+          <a:chExt cx="0" cy="0"/>
+        </a:xfrm>
+      </p:grpSpPr>
+      <p:sp>
+        <p:nvSpPr>
+          <p:cNvPr id="2" name="标题 1">
+            <a:extLst>
+              <a:ext uri="{FF2B5EF4-FFF2-40B4-BE49-F238E27FC236}">
+                <a16:creationId xmlns:a16="http://schemas.microsoft.com/office/drawing/2014/main" id="{653319CE-6502-4195-80FE-1402C1957687}"/>
+              </a:ext>
+            </a:extLst>
+          </p:cNvPr>
+          <p:cNvSpPr>
+            <a:spLocks noGrp="1"/>
+          </p:cNvSpPr>
+          <p:nvPr>
+            <p:ph type="title"/>
+          </p:nvPr>
+        </p:nvSpPr>
+        <p:spPr/>
+        <p:txBody>
+          <a:bodyPr/>
+          <a:lstStyle/>
+          <a:p>
+            <a:r>
+              <a:rPr lang="en-US" altLang="zh-CN" dirty="0"/>
+              <a:t>HTTP</a:t>
+            </a:r>
+            <a:endParaRPr lang="zh-CN" altLang="en-US" dirty="0"/>
+          </a:p>
+        </p:txBody>
+      </p:sp>
+      <p:sp>
+        <p:nvSpPr>
+          <p:cNvPr id="3" name="内容占位符 2">
+            <a:extLst>
+              <a:ext uri="{FF2B5EF4-FFF2-40B4-BE49-F238E27FC236}">
+                <a16:creationId xmlns:a16="http://schemas.microsoft.com/office/drawing/2014/main" id="{365B2FD4-532C-4105-8D4E-D1BE97D04D9C}"/>
+              </a:ext>
+            </a:extLst>
+          </p:cNvPr>
+          <p:cNvSpPr>
+            <a:spLocks noGrp="1"/>
+          </p:cNvSpPr>
+          <p:nvPr>
+            <p:ph idx="1"/>
+          </p:nvPr>
+        </p:nvSpPr>
+        <p:spPr/>
+        <p:txBody>
+          <a:bodyPr/>
+          <a:lstStyle/>
+          <a:p>
+            <a:r>
+              <a:rPr lang="en-US" altLang="zh-CN" dirty="0"/>
+              <a:t>Cookie: session control.</a:t>
+            </a:r>
+          </a:p>
+          <a:p>
+            <a:endParaRPr lang="zh-CN" altLang="en-US" dirty="0"/>
+          </a:p>
+        </p:txBody>
+      </p:sp>
+      <p:pic>
+        <p:nvPicPr>
+          <p:cNvPr id="5" name="图片 4">
+            <a:extLst>
+              <a:ext uri="{FF2B5EF4-FFF2-40B4-BE49-F238E27FC236}">
+                <a16:creationId xmlns:a16="http://schemas.microsoft.com/office/drawing/2014/main" id="{18AF3A46-612A-41A5-8BC2-3A150C33ABFD}"/>
+              </a:ext>
+            </a:extLst>
+          </p:cNvPr>
+          <p:cNvPicPr>
+            <a:picLocks noChangeAspect="1"/>
+          </p:cNvPicPr>
+          <p:nvPr/>
+        </p:nvPicPr>
+        <p:blipFill>
+          <a:blip r:embed="rId2"/>
+          <a:stretch>
+            <a:fillRect/>
+          </a:stretch>
+        </p:blipFill>
+        <p:spPr>
+          <a:xfrm>
+            <a:off x="838200" y="2360402"/>
+            <a:ext cx="4483739" cy="4207452"/>
+          </a:xfrm>
+          <a:prstGeom prst="rect">
+            <a:avLst/>
+          </a:prstGeom>
+        </p:spPr>
+      </p:pic>
+    </p:spTree>
+    <p:extLst>
+      <p:ext uri="{BB962C8B-B14F-4D97-AF65-F5344CB8AC3E}">
+        <p14:creationId xmlns:p14="http://schemas.microsoft.com/office/powerpoint/2010/main" val="3854769634"/>
+      </p:ext>
+    </p:extLst>
+  </p:cSld>
+  <p:clrMapOvr>
+    <a:masterClrMapping/>
+  </p:clrMapOvr>
+</p:sld>
+</file>
+
+<file path=ppt/slides/slide14.xml><?xml version="1.0" encoding="utf-8"?>
+<p:sld xmlns:a="http://schemas.openxmlformats.org/drawingml/2006/main" xmlns:r="http://schemas.openxmlformats.org/officeDocument/2006/relationships" xmlns:p="http://schemas.openxmlformats.org/presentationml/2006/main">
+  <p:cSld>
+    <p:spTree>
+      <p:nvGrpSpPr>
+        <p:cNvPr id="1" name=""/>
+        <p:cNvGrpSpPr/>
+        <p:nvPr/>
+      </p:nvGrpSpPr>
+      <p:grpSpPr>
+        <a:xfrm>
+          <a:off x="0" y="0"/>
+          <a:ext cx="0" cy="0"/>
+          <a:chOff x="0" y="0"/>
+          <a:chExt cx="0" cy="0"/>
+        </a:xfrm>
+      </p:grpSpPr>
+      <p:sp>
+        <p:nvSpPr>
+          <p:cNvPr id="2" name="标题 1">
+            <a:extLst>
+              <a:ext uri="{FF2B5EF4-FFF2-40B4-BE49-F238E27FC236}">
+                <a16:creationId xmlns:a16="http://schemas.microsoft.com/office/drawing/2014/main" id="{C27BD445-F65A-476E-9078-EA2000485C38}"/>
+              </a:ext>
+            </a:extLst>
+          </p:cNvPr>
+          <p:cNvSpPr>
+            <a:spLocks noGrp="1"/>
+          </p:cNvSpPr>
+          <p:nvPr>
+            <p:ph type="title"/>
+          </p:nvPr>
+        </p:nvSpPr>
+        <p:spPr/>
+        <p:txBody>
+          <a:bodyPr/>
+          <a:lstStyle/>
+          <a:p>
+            <a:r>
+              <a:rPr lang="en-US" altLang="zh-CN" dirty="0"/>
+              <a:t>FTP</a:t>
+            </a:r>
+            <a:endParaRPr lang="zh-CN" altLang="en-US" dirty="0"/>
+          </a:p>
+        </p:txBody>
+      </p:sp>
+      <p:sp>
+        <p:nvSpPr>
+          <p:cNvPr id="3" name="内容占位符 2">
+            <a:extLst>
+              <a:ext uri="{FF2B5EF4-FFF2-40B4-BE49-F238E27FC236}">
+                <a16:creationId xmlns:a16="http://schemas.microsoft.com/office/drawing/2014/main" id="{74354022-E665-42FB-8996-9F1ACA35D977}"/>
+              </a:ext>
+            </a:extLst>
+          </p:cNvPr>
+          <p:cNvSpPr>
+            <a:spLocks noGrp="1"/>
+          </p:cNvSpPr>
+          <p:nvPr>
+            <p:ph idx="1"/>
+          </p:nvPr>
+        </p:nvSpPr>
+        <p:spPr/>
+        <p:txBody>
+          <a:bodyPr/>
+          <a:lstStyle/>
+          <a:p>
+            <a:r>
+              <a:rPr lang="en-US" altLang="zh-CN" dirty="0"/>
+              <a:t>FTP with 2 parallel TCP connection:</a:t>
+            </a:r>
+          </a:p>
+          <a:p>
+            <a:pPr lvl="1"/>
+            <a:r>
+              <a:rPr lang="en-US" altLang="zh-CN" dirty="0"/>
+              <a:t>Control connection</a:t>
+            </a:r>
+          </a:p>
+          <a:p>
+            <a:pPr lvl="1"/>
+            <a:r>
+              <a:rPr lang="en-US" altLang="zh-CN" dirty="0"/>
+              <a:t>Data connection</a:t>
+            </a:r>
+          </a:p>
+          <a:p>
+            <a:endParaRPr lang="zh-CN" altLang="en-US" dirty="0"/>
+          </a:p>
+        </p:txBody>
+      </p:sp>
+      <p:pic>
+        <p:nvPicPr>
+          <p:cNvPr id="5" name="图片 4">
+            <a:extLst>
+              <a:ext uri="{FF2B5EF4-FFF2-40B4-BE49-F238E27FC236}">
+                <a16:creationId xmlns:a16="http://schemas.microsoft.com/office/drawing/2014/main" id="{9AB9FC4D-1ACA-4D48-AEE7-7547FF4CC642}"/>
+              </a:ext>
+            </a:extLst>
+          </p:cNvPr>
+          <p:cNvPicPr>
+            <a:picLocks noChangeAspect="1"/>
+          </p:cNvPicPr>
+          <p:nvPr/>
+        </p:nvPicPr>
+        <p:blipFill>
+          <a:blip r:embed="rId2"/>
+          <a:stretch>
+            <a:fillRect/>
+          </a:stretch>
+        </p:blipFill>
+        <p:spPr>
+          <a:xfrm>
+            <a:off x="838200" y="3115579"/>
+            <a:ext cx="4876190" cy="1771429"/>
+          </a:xfrm>
+          <a:prstGeom prst="rect">
+            <a:avLst/>
+          </a:prstGeom>
+        </p:spPr>
+      </p:pic>
+    </p:spTree>
+    <p:extLst>
+      <p:ext uri="{BB962C8B-B14F-4D97-AF65-F5344CB8AC3E}">
+        <p14:creationId xmlns:p14="http://schemas.microsoft.com/office/powerpoint/2010/main" val="428011284"/>
+      </p:ext>
+    </p:extLst>
+  </p:cSld>
+  <p:clrMapOvr>
+    <a:masterClrMapping/>
+  </p:clrMapOvr>
+</p:sld>
+</file>
+
+<file path=ppt/slides/slide15.xml><?xml version="1.0" encoding="utf-8"?>
+<p:sld xmlns:a="http://schemas.openxmlformats.org/drawingml/2006/main" xmlns:r="http://schemas.openxmlformats.org/officeDocument/2006/relationships" xmlns:p="http://schemas.openxmlformats.org/presentationml/2006/main">
+  <p:cSld>
+    <p:spTree>
+      <p:nvGrpSpPr>
+        <p:cNvPr id="1" name=""/>
+        <p:cNvGrpSpPr/>
+        <p:nvPr/>
+      </p:nvGrpSpPr>
+      <p:grpSpPr>
+        <a:xfrm>
+          <a:off x="0" y="0"/>
+          <a:ext cx="0" cy="0"/>
+          <a:chOff x="0" y="0"/>
+          <a:chExt cx="0" cy="0"/>
+        </a:xfrm>
+      </p:grpSpPr>
+      <p:sp>
+        <p:nvSpPr>
+          <p:cNvPr id="2" name="标题 1">
+            <a:extLst>
+              <a:ext uri="{FF2B5EF4-FFF2-40B4-BE49-F238E27FC236}">
+                <a16:creationId xmlns:a16="http://schemas.microsoft.com/office/drawing/2014/main" id="{CEEEDD2F-9AA1-4D59-8EB7-C9F48B47D508}"/>
+              </a:ext>
+            </a:extLst>
+          </p:cNvPr>
+          <p:cNvSpPr>
+            <a:spLocks noGrp="1"/>
+          </p:cNvSpPr>
+          <p:nvPr>
+            <p:ph type="title"/>
+          </p:nvPr>
+        </p:nvSpPr>
+        <p:spPr/>
+        <p:txBody>
+          <a:bodyPr/>
+          <a:lstStyle/>
+          <a:p>
+            <a:r>
+              <a:rPr lang="en-US" altLang="zh-CN" dirty="0"/>
+              <a:t>DNS</a:t>
+            </a:r>
+            <a:endParaRPr lang="zh-CN" altLang="en-US" dirty="0"/>
+          </a:p>
+        </p:txBody>
+      </p:sp>
+      <p:sp>
+        <p:nvSpPr>
+          <p:cNvPr id="3" name="内容占位符 2">
+            <a:extLst>
+              <a:ext uri="{FF2B5EF4-FFF2-40B4-BE49-F238E27FC236}">
+                <a16:creationId xmlns:a16="http://schemas.microsoft.com/office/drawing/2014/main" id="{0AC6A7B6-9C7D-4449-BB2F-C09B0AC673FF}"/>
+              </a:ext>
+            </a:extLst>
+          </p:cNvPr>
+          <p:cNvSpPr>
+            <a:spLocks noGrp="1"/>
+          </p:cNvSpPr>
+          <p:nvPr>
+            <p:ph idx="1"/>
+          </p:nvPr>
+        </p:nvSpPr>
+        <p:spPr/>
+        <p:txBody>
+          <a:bodyPr/>
+          <a:lstStyle/>
+          <a:p>
+            <a:r>
+              <a:rPr lang="en-US" altLang="zh-CN" dirty="0"/>
+              <a:t>Domain Name Service, DNS</a:t>
+            </a:r>
+          </a:p>
+          <a:p>
+            <a:pPr lvl="1"/>
+            <a:r>
+              <a:rPr lang="en-US" altLang="zh-CN" dirty="0"/>
+              <a:t>Host aliasing</a:t>
+            </a:r>
+          </a:p>
+          <a:p>
+            <a:pPr lvl="1"/>
+            <a:r>
+              <a:rPr lang="en-US" altLang="zh-CN" dirty="0"/>
+              <a:t>Load distribution</a:t>
+            </a:r>
+          </a:p>
+          <a:p>
+            <a:endParaRPr lang="en-US" altLang="zh-CN" dirty="0"/>
+          </a:p>
+          <a:p>
+            <a:endParaRPr lang="en-US" altLang="zh-CN" dirty="0"/>
+          </a:p>
+          <a:p>
+            <a:endParaRPr lang="en-US" altLang="zh-CN" dirty="0"/>
+          </a:p>
+          <a:p>
+            <a:endParaRPr lang="en-US" altLang="zh-CN" dirty="0"/>
+          </a:p>
+          <a:p>
+            <a:r>
+              <a:rPr lang="en-US" altLang="zh-CN" dirty="0"/>
+              <a:t>DNS cache: local storage DNS record.</a:t>
+            </a:r>
+          </a:p>
+        </p:txBody>
+      </p:sp>
+      <p:pic>
+        <p:nvPicPr>
+          <p:cNvPr id="5" name="图片 4">
+            <a:extLst>
+              <a:ext uri="{FF2B5EF4-FFF2-40B4-BE49-F238E27FC236}">
+                <a16:creationId xmlns:a16="http://schemas.microsoft.com/office/drawing/2014/main" id="{5203E929-7C58-4CEA-99C8-8A012F06EF4A}"/>
+              </a:ext>
+            </a:extLst>
+          </p:cNvPr>
+          <p:cNvPicPr>
+            <a:picLocks noChangeAspect="1"/>
+          </p:cNvPicPr>
+          <p:nvPr/>
+        </p:nvPicPr>
+        <p:blipFill>
+          <a:blip r:embed="rId2"/>
+          <a:stretch>
+            <a:fillRect/>
+          </a:stretch>
+        </p:blipFill>
+        <p:spPr>
+          <a:xfrm>
+            <a:off x="838200" y="3158437"/>
+            <a:ext cx="4514286" cy="1685714"/>
+          </a:xfrm>
+          <a:prstGeom prst="rect">
+            <a:avLst/>
+          </a:prstGeom>
+        </p:spPr>
+      </p:pic>
+    </p:spTree>
+    <p:extLst>
+      <p:ext uri="{BB962C8B-B14F-4D97-AF65-F5344CB8AC3E}">
+        <p14:creationId xmlns:p14="http://schemas.microsoft.com/office/powerpoint/2010/main" val="2738124232"/>
+      </p:ext>
+    </p:extLst>
+  </p:cSld>
+  <p:clrMapOvr>
+    <a:masterClrMapping/>
+  </p:clrMapOvr>
+</p:sld>
+</file>
+
+<file path=ppt/slides/slide16.xml><?xml version="1.0" encoding="utf-8"?>
+<p:sld xmlns:a="http://schemas.openxmlformats.org/drawingml/2006/main" xmlns:r="http://schemas.openxmlformats.org/officeDocument/2006/relationships" xmlns:p="http://schemas.openxmlformats.org/presentationml/2006/main">
+  <p:cSld>
+    <p:spTree>
+      <p:nvGrpSpPr>
+        <p:cNvPr id="1" name=""/>
+        <p:cNvGrpSpPr/>
+        <p:nvPr/>
+      </p:nvGrpSpPr>
+      <p:grpSpPr>
+        <a:xfrm>
+          <a:off x="0" y="0"/>
+          <a:ext cx="0" cy="0"/>
+          <a:chOff x="0" y="0"/>
+          <a:chExt cx="0" cy="0"/>
+        </a:xfrm>
+      </p:grpSpPr>
+      <p:sp>
+        <p:nvSpPr>
+          <p:cNvPr id="2" name="标题 1">
+            <a:extLst>
+              <a:ext uri="{FF2B5EF4-FFF2-40B4-BE49-F238E27FC236}">
+                <a16:creationId xmlns:a16="http://schemas.microsoft.com/office/drawing/2014/main" id="{877BD9A9-C554-4525-BBBC-0177E169045D}"/>
+              </a:ext>
+            </a:extLst>
+          </p:cNvPr>
+          <p:cNvSpPr>
+            <a:spLocks noGrp="1"/>
+          </p:cNvSpPr>
+          <p:nvPr>
+            <p:ph type="title"/>
+          </p:nvPr>
+        </p:nvSpPr>
+        <p:spPr/>
+        <p:txBody>
+          <a:bodyPr/>
+          <a:lstStyle/>
+          <a:p>
+            <a:r>
+              <a:rPr lang="en-US" altLang="zh-CN" dirty="0"/>
+              <a:t>Transmission Layer: TCP &amp; UDP</a:t>
+            </a:r>
+            <a:endParaRPr lang="zh-CN" altLang="en-US" dirty="0"/>
+          </a:p>
+        </p:txBody>
+      </p:sp>
+      <p:sp>
+        <p:nvSpPr>
+          <p:cNvPr id="3" name="文本占位符 2">
+            <a:extLst>
+              <a:ext uri="{FF2B5EF4-FFF2-40B4-BE49-F238E27FC236}">
+                <a16:creationId xmlns:a16="http://schemas.microsoft.com/office/drawing/2014/main" id="{073DA238-0B94-4E00-8D92-CE743C3029FD}"/>
+              </a:ext>
+            </a:extLst>
+          </p:cNvPr>
+          <p:cNvSpPr>
+            <a:spLocks noGrp="1"/>
+          </p:cNvSpPr>
+          <p:nvPr>
+            <p:ph type="body" idx="1"/>
+          </p:nvPr>
+        </p:nvSpPr>
+        <p:spPr/>
+        <p:txBody>
+          <a:bodyPr/>
+          <a:lstStyle/>
+          <a:p>
+            <a:r>
+              <a:rPr lang="en-US" altLang="zh-CN" dirty="0"/>
+              <a:t>Chapter 3</a:t>
+            </a:r>
+            <a:endParaRPr lang="zh-CN" altLang="en-US" dirty="0"/>
+          </a:p>
+        </p:txBody>
+      </p:sp>
+    </p:spTree>
+    <p:extLst>
+      <p:ext uri="{BB962C8B-B14F-4D97-AF65-F5344CB8AC3E}">
+        <p14:creationId xmlns:p14="http://schemas.microsoft.com/office/powerpoint/2010/main" val="1158261772"/>
+      </p:ext>
+    </p:extLst>
+  </p:cSld>
+  <p:clrMapOvr>
+    <a:masterClrMapping/>
+  </p:clrMapOvr>
+</p:sld>
+</file>
+
+<file path=ppt/slides/slide17.xml><?xml version="1.0" encoding="utf-8"?>
+<p:sld xmlns:a="http://schemas.openxmlformats.org/drawingml/2006/main" xmlns:r="http://schemas.openxmlformats.org/officeDocument/2006/relationships" xmlns:p="http://schemas.openxmlformats.org/presentationml/2006/main">
+  <p:cSld>
+    <p:spTree>
+      <p:nvGrpSpPr>
+        <p:cNvPr id="1" name=""/>
+        <p:cNvGrpSpPr/>
+        <p:nvPr/>
+      </p:nvGrpSpPr>
+      <p:grpSpPr>
+        <a:xfrm>
+          <a:off x="0" y="0"/>
+          <a:ext cx="0" cy="0"/>
+          <a:chOff x="0" y="0"/>
+          <a:chExt cx="0" cy="0"/>
+        </a:xfrm>
+      </p:grpSpPr>
+      <p:sp>
+        <p:nvSpPr>
+          <p:cNvPr id="2" name="标题 1">
+            <a:extLst>
+              <a:ext uri="{FF2B5EF4-FFF2-40B4-BE49-F238E27FC236}">
+                <a16:creationId xmlns:a16="http://schemas.microsoft.com/office/drawing/2014/main" id="{49205BD5-B4D3-46CA-8702-3F6F21C99C0B}"/>
+              </a:ext>
+            </a:extLst>
+          </p:cNvPr>
+          <p:cNvSpPr>
+            <a:spLocks noGrp="1"/>
+          </p:cNvSpPr>
+          <p:nvPr>
+            <p:ph type="title"/>
+          </p:nvPr>
+        </p:nvSpPr>
+        <p:spPr/>
+        <p:txBody>
+          <a:bodyPr/>
+          <a:lstStyle/>
+          <a:p>
+            <a:r>
+              <a:rPr lang="en-US" altLang="zh-CN" dirty="0"/>
+              <a:t>TCP &amp; UDP</a:t>
+            </a:r>
+            <a:endParaRPr lang="zh-CN" altLang="en-US" dirty="0"/>
+          </a:p>
+        </p:txBody>
+      </p:sp>
+      <p:sp>
+        <p:nvSpPr>
+          <p:cNvPr id="3" name="内容占位符 2">
+            <a:extLst>
+              <a:ext uri="{FF2B5EF4-FFF2-40B4-BE49-F238E27FC236}">
+                <a16:creationId xmlns:a16="http://schemas.microsoft.com/office/drawing/2014/main" id="{68AB3D55-0FBD-40A8-A876-6BD6ECA35ACB}"/>
+              </a:ext>
+            </a:extLst>
+          </p:cNvPr>
+          <p:cNvSpPr>
+            <a:spLocks noGrp="1"/>
+          </p:cNvSpPr>
+          <p:nvPr>
+            <p:ph idx="1"/>
+          </p:nvPr>
+        </p:nvSpPr>
+        <p:spPr/>
+        <p:txBody>
+          <a:bodyPr>
+            <a:normAutofit lnSpcReduction="10000"/>
+          </a:bodyPr>
+          <a:lstStyle/>
+          <a:p>
+            <a:r>
+              <a:rPr lang="en-US" altLang="zh-CN" dirty="0"/>
+              <a:t>IP: unreliable, best-effort delivery service.</a:t>
+            </a:r>
+          </a:p>
+          <a:p>
+            <a:r>
+              <a:rPr lang="en-US" altLang="zh-CN" dirty="0"/>
+              <a:t>Transport layer multiplexing &amp; demultiplexing.</a:t>
+            </a:r>
+          </a:p>
+          <a:p>
+            <a:endParaRPr lang="en-US" altLang="zh-CN" dirty="0"/>
+          </a:p>
+          <a:p>
+            <a:endParaRPr lang="en-US" altLang="zh-CN" dirty="0"/>
+          </a:p>
+          <a:p>
+            <a:endParaRPr lang="en-US" altLang="zh-CN" dirty="0"/>
+          </a:p>
+          <a:p>
+            <a:endParaRPr lang="en-US" altLang="zh-CN" dirty="0"/>
+          </a:p>
+          <a:p>
+            <a:endParaRPr lang="en-US" altLang="zh-CN" dirty="0"/>
+          </a:p>
+          <a:p>
+            <a:endParaRPr lang="en-US" altLang="zh-CN" dirty="0"/>
+          </a:p>
+          <a:p>
+            <a:r>
+              <a:rPr lang="en-US" altLang="zh-CN" dirty="0"/>
+              <a:t>Port: source port &amp; destination port.</a:t>
+            </a:r>
+            <a:endParaRPr lang="zh-CN" altLang="en-US" dirty="0"/>
+          </a:p>
+        </p:txBody>
+      </p:sp>
+      <p:pic>
+        <p:nvPicPr>
+          <p:cNvPr id="5" name="图片 4">
+            <a:extLst>
+              <a:ext uri="{FF2B5EF4-FFF2-40B4-BE49-F238E27FC236}">
+                <a16:creationId xmlns:a16="http://schemas.microsoft.com/office/drawing/2014/main" id="{802C1B46-173F-44C4-BADD-8B746F6E9628}"/>
+              </a:ext>
+            </a:extLst>
+          </p:cNvPr>
+          <p:cNvPicPr>
+            <a:picLocks noChangeAspect="1"/>
+          </p:cNvPicPr>
+          <p:nvPr/>
+        </p:nvPicPr>
+        <p:blipFill>
+          <a:blip r:embed="rId2"/>
+          <a:stretch>
+            <a:fillRect/>
+          </a:stretch>
+        </p:blipFill>
+        <p:spPr>
+          <a:xfrm>
+            <a:off x="838200" y="2834592"/>
+            <a:ext cx="5961905" cy="2771429"/>
+          </a:xfrm>
+          <a:prstGeom prst="rect">
+            <a:avLst/>
+          </a:prstGeom>
+        </p:spPr>
+      </p:pic>
+    </p:spTree>
+    <p:extLst>
+      <p:ext uri="{BB962C8B-B14F-4D97-AF65-F5344CB8AC3E}">
+        <p14:creationId xmlns:p14="http://schemas.microsoft.com/office/powerpoint/2010/main" val="4211424648"/>
+      </p:ext>
+    </p:extLst>
+  </p:cSld>
+  <p:clrMapOvr>
+    <a:masterClrMapping/>
+  </p:clrMapOvr>
+</p:sld>
+</file>
+
+<file path=ppt/slides/slide18.xml><?xml version="1.0" encoding="utf-8"?>
+<p:sld xmlns:a="http://schemas.openxmlformats.org/drawingml/2006/main" xmlns:r="http://schemas.openxmlformats.org/officeDocument/2006/relationships" xmlns:p="http://schemas.openxmlformats.org/presentationml/2006/main">
+  <p:cSld>
+    <p:spTree>
+      <p:nvGrpSpPr>
+        <p:cNvPr id="1" name=""/>
+        <p:cNvGrpSpPr/>
+        <p:nvPr/>
+      </p:nvGrpSpPr>
+      <p:grpSpPr>
+        <a:xfrm>
+          <a:off x="0" y="0"/>
+          <a:ext cx="0" cy="0"/>
+          <a:chOff x="0" y="0"/>
+          <a:chExt cx="0" cy="0"/>
+        </a:xfrm>
+      </p:grpSpPr>
+      <p:sp>
+        <p:nvSpPr>
+          <p:cNvPr id="2" name="标题 1">
+            <a:extLst>
+              <a:ext uri="{FF2B5EF4-FFF2-40B4-BE49-F238E27FC236}">
+                <a16:creationId xmlns:a16="http://schemas.microsoft.com/office/drawing/2014/main" id="{55DEB84E-8A0E-4893-99C4-D5DFFBD364C8}"/>
+              </a:ext>
+            </a:extLst>
+          </p:cNvPr>
+          <p:cNvSpPr>
+            <a:spLocks noGrp="1"/>
+          </p:cNvSpPr>
+          <p:nvPr>
+            <p:ph type="title"/>
+          </p:nvPr>
+        </p:nvSpPr>
+        <p:spPr/>
+        <p:txBody>
+          <a:bodyPr/>
+          <a:lstStyle/>
+          <a:p>
+            <a:r>
+              <a:rPr lang="en-US" altLang="zh-CN" dirty="0"/>
+              <a:t>UDP</a:t>
+            </a:r>
+            <a:endParaRPr lang="zh-CN" altLang="en-US" dirty="0"/>
+          </a:p>
+        </p:txBody>
+      </p:sp>
+      <p:sp>
+        <p:nvSpPr>
+          <p:cNvPr id="3" name="内容占位符 2">
+            <a:extLst>
+              <a:ext uri="{FF2B5EF4-FFF2-40B4-BE49-F238E27FC236}">
+                <a16:creationId xmlns:a16="http://schemas.microsoft.com/office/drawing/2014/main" id="{A1B09BBC-6731-4ECC-A504-8AA6A6057AF1}"/>
+              </a:ext>
+            </a:extLst>
+          </p:cNvPr>
+          <p:cNvSpPr>
+            <a:spLocks noGrp="1"/>
+          </p:cNvSpPr>
+          <p:nvPr>
+            <p:ph idx="1"/>
+          </p:nvPr>
+        </p:nvSpPr>
+        <p:spPr/>
+        <p:txBody>
+          <a:bodyPr/>
+          <a:lstStyle/>
+          <a:p>
+            <a:r>
+              <a:rPr lang="en-US" altLang="zh-CN" dirty="0"/>
+              <a:t>Better control of data and transmission time.</a:t>
+            </a:r>
+          </a:p>
+          <a:p>
+            <a:r>
+              <a:rPr lang="en-US" altLang="zh-CN" dirty="0"/>
+              <a:t>No connection.</a:t>
+            </a:r>
+          </a:p>
+          <a:p>
+            <a:r>
+              <a:rPr lang="en-US" altLang="zh-CN" dirty="0"/>
+              <a:t>No connection state.</a:t>
+            </a:r>
+          </a:p>
+          <a:p>
+            <a:r>
+              <a:rPr lang="en-US" altLang="zh-CN" dirty="0"/>
+              <a:t>Segment header size small.</a:t>
+            </a:r>
+            <a:endParaRPr lang="zh-CN" altLang="en-US" dirty="0"/>
+          </a:p>
+        </p:txBody>
+      </p:sp>
+      <p:pic>
+        <p:nvPicPr>
+          <p:cNvPr id="5" name="图片 4">
+            <a:extLst>
+              <a:ext uri="{FF2B5EF4-FFF2-40B4-BE49-F238E27FC236}">
+                <a16:creationId xmlns:a16="http://schemas.microsoft.com/office/drawing/2014/main" id="{7CB09D44-2474-47D0-871A-A4241D198F59}"/>
+              </a:ext>
+            </a:extLst>
+          </p:cNvPr>
+          <p:cNvPicPr>
+            <a:picLocks noChangeAspect="1"/>
+          </p:cNvPicPr>
+          <p:nvPr/>
+        </p:nvPicPr>
+        <p:blipFill>
+          <a:blip r:embed="rId2"/>
+          <a:stretch>
+            <a:fillRect/>
+          </a:stretch>
+        </p:blipFill>
+        <p:spPr>
+          <a:xfrm>
+            <a:off x="838200" y="3724667"/>
+            <a:ext cx="5076190" cy="3133333"/>
+          </a:xfrm>
+          <a:prstGeom prst="rect">
+            <a:avLst/>
+          </a:prstGeom>
+        </p:spPr>
+      </p:pic>
+    </p:spTree>
+    <p:extLst>
+      <p:ext uri="{BB962C8B-B14F-4D97-AF65-F5344CB8AC3E}">
+        <p14:creationId xmlns:p14="http://schemas.microsoft.com/office/powerpoint/2010/main" val="654319424"/>
+      </p:ext>
+    </p:extLst>
+  </p:cSld>
+  <p:clrMapOvr>
+    <a:masterClrMapping/>
+  </p:clrMapOvr>
+</p:sld>
+</file>
+
+<file path=ppt/slides/slide19.xml><?xml version="1.0" encoding="utf-8"?>
+<p:sld xmlns:a="http://schemas.openxmlformats.org/drawingml/2006/main" xmlns:r="http://schemas.openxmlformats.org/officeDocument/2006/relationships" xmlns:p="http://schemas.openxmlformats.org/presentationml/2006/main">
+  <p:cSld>
+    <p:spTree>
+      <p:nvGrpSpPr>
+        <p:cNvPr id="1" name=""/>
+        <p:cNvGrpSpPr/>
+        <p:nvPr/>
+      </p:nvGrpSpPr>
+      <p:grpSpPr>
+        <a:xfrm>
+          <a:off x="0" y="0"/>
+          <a:ext cx="0" cy="0"/>
+          <a:chOff x="0" y="0"/>
+          <a:chExt cx="0" cy="0"/>
+        </a:xfrm>
+      </p:grpSpPr>
+      <p:sp>
+        <p:nvSpPr>
+          <p:cNvPr id="2" name="标题 1">
+            <a:extLst>
+              <a:ext uri="{FF2B5EF4-FFF2-40B4-BE49-F238E27FC236}">
+                <a16:creationId xmlns:a16="http://schemas.microsoft.com/office/drawing/2014/main" id="{737FDDE9-0F10-4FD4-A187-E838D6CE56C4}"/>
+              </a:ext>
+            </a:extLst>
+          </p:cNvPr>
+          <p:cNvSpPr>
+            <a:spLocks noGrp="1"/>
+          </p:cNvSpPr>
+          <p:nvPr>
+            <p:ph type="title"/>
+          </p:nvPr>
+        </p:nvSpPr>
+        <p:spPr/>
+        <p:txBody>
+          <a:bodyPr/>
+          <a:lstStyle/>
+          <a:p>
+            <a:r>
+              <a:rPr lang="en-US" altLang="zh-CN" dirty="0"/>
+              <a:t>UDP</a:t>
+            </a:r>
+            <a:endParaRPr lang="zh-CN" altLang="en-US" dirty="0"/>
+          </a:p>
+        </p:txBody>
+      </p:sp>
+      <p:sp>
+        <p:nvSpPr>
+          <p:cNvPr id="3" name="内容占位符 2">
+            <a:extLst>
+              <a:ext uri="{FF2B5EF4-FFF2-40B4-BE49-F238E27FC236}">
+                <a16:creationId xmlns:a16="http://schemas.microsoft.com/office/drawing/2014/main" id="{E9C21CFE-52E7-42A3-A02A-22C180AA94C6}"/>
+              </a:ext>
+            </a:extLst>
+          </p:cNvPr>
+          <p:cNvSpPr>
+            <a:spLocks noGrp="1"/>
+          </p:cNvSpPr>
+          <p:nvPr>
+            <p:ph idx="1"/>
+          </p:nvPr>
+        </p:nvSpPr>
+        <p:spPr/>
+        <p:txBody>
+          <a:bodyPr/>
+          <a:lstStyle/>
+          <a:p>
+            <a:r>
+              <a:rPr lang="en-US" altLang="zh-CN" dirty="0"/>
+              <a:t>UDP packet format:</a:t>
+            </a:r>
+          </a:p>
+          <a:p>
+            <a:endParaRPr lang="en-US" altLang="zh-CN" dirty="0"/>
+          </a:p>
+          <a:p>
+            <a:endParaRPr lang="en-US" altLang="zh-CN" dirty="0"/>
+          </a:p>
+          <a:p>
+            <a:endParaRPr lang="en-US" altLang="zh-CN" dirty="0"/>
+          </a:p>
+          <a:p>
+            <a:endParaRPr lang="en-US" altLang="zh-CN" dirty="0"/>
+          </a:p>
+          <a:p>
+            <a:r>
+              <a:rPr lang="en-US" altLang="zh-CN" dirty="0"/>
+              <a:t>Checksum: sum of data (16bits, backrush) and negative.</a:t>
+            </a:r>
+          </a:p>
+        </p:txBody>
+      </p:sp>
+      <p:pic>
+        <p:nvPicPr>
+          <p:cNvPr id="3074" name="Picture 2">
+            <a:extLst>
+              <a:ext uri="{FF2B5EF4-FFF2-40B4-BE49-F238E27FC236}">
+                <a16:creationId xmlns:a16="http://schemas.microsoft.com/office/drawing/2014/main" id="{C9949E31-007E-468D-A07A-959F35DF8BE9}"/>
+              </a:ext>
+            </a:extLst>
+          </p:cNvPr>
+          <p:cNvPicPr>
+            <a:picLocks noChangeAspect="1" noChangeArrowheads="1"/>
+          </p:cNvPicPr>
+          <p:nvPr/>
+        </p:nvPicPr>
+        <p:blipFill>
+          <a:blip r:embed="rId2">
+            <a:extLst>
+              <a:ext uri="{28A0092B-C50C-407E-A947-70E740481C1C}">
+                <a14:useLocalDpi xmlns:a14="http://schemas.microsoft.com/office/drawing/2010/main" val="0"/>
+              </a:ext>
+            </a:extLst>
+          </a:blip>
+          <a:srcRect/>
+          <a:stretch>
+            <a:fillRect/>
+          </a:stretch>
+        </p:blipFill>
+        <p:spPr bwMode="auto">
+          <a:xfrm>
+            <a:off x="838200" y="2301387"/>
+            <a:ext cx="3162300" cy="2114550"/>
+          </a:xfrm>
+          <a:prstGeom prst="rect">
+            <a:avLst/>
+          </a:prstGeom>
+          <a:noFill/>
+          <a:extLst>
+            <a:ext uri="{909E8E84-426E-40DD-AFC4-6F175D3DCCD1}">
+              <a14:hiddenFill xmlns:a14="http://schemas.microsoft.com/office/drawing/2010/main">
+                <a:solidFill>
+                  <a:srgbClr val="FFFFFF"/>
+                </a:solidFill>
+              </a14:hiddenFill>
+            </a:ext>
+          </a:extLst>
+        </p:spPr>
+      </p:pic>
+    </p:spTree>
+    <p:extLst>
+      <p:ext uri="{BB962C8B-B14F-4D97-AF65-F5344CB8AC3E}">
+        <p14:creationId xmlns:p14="http://schemas.microsoft.com/office/powerpoint/2010/main" val="1596035252"/>
+      </p:ext>
+    </p:extLst>
+  </p:cSld>
+  <p:clrMapOvr>
+    <a:masterClrMapping/>
+  </p:clrMapOvr>
+</p:sld>
+</file>
+
 <file path=ppt/slides/slide2.xml><?xml version="1.0" encoding="utf-8"?>
 <p:sld xmlns:a="http://schemas.openxmlformats.org/drawingml/2006/main" xmlns:r="http://schemas.openxmlformats.org/officeDocument/2006/relationships" xmlns:p="http://schemas.openxmlformats.org/presentationml/2006/main">
   <p:cSld>
@@ -3470,6 +4857,2027 @@
     <p:extLst>
       <p:ext uri="{BB962C8B-B14F-4D97-AF65-F5344CB8AC3E}">
         <p14:creationId xmlns:p14="http://schemas.microsoft.com/office/powerpoint/2010/main" val="597938143"/>
+      </p:ext>
+    </p:extLst>
+  </p:cSld>
+  <p:clrMapOvr>
+    <a:masterClrMapping/>
+  </p:clrMapOvr>
+</p:sld>
+</file>
+
+<file path=ppt/slides/slide20.xml><?xml version="1.0" encoding="utf-8"?>
+<p:sld xmlns:a="http://schemas.openxmlformats.org/drawingml/2006/main" xmlns:r="http://schemas.openxmlformats.org/officeDocument/2006/relationships" xmlns:p="http://schemas.openxmlformats.org/presentationml/2006/main">
+  <p:cSld>
+    <p:spTree>
+      <p:nvGrpSpPr>
+        <p:cNvPr id="1" name=""/>
+        <p:cNvGrpSpPr/>
+        <p:nvPr/>
+      </p:nvGrpSpPr>
+      <p:grpSpPr>
+        <a:xfrm>
+          <a:off x="0" y="0"/>
+          <a:ext cx="0" cy="0"/>
+          <a:chOff x="0" y="0"/>
+          <a:chExt cx="0" cy="0"/>
+        </a:xfrm>
+      </p:grpSpPr>
+      <p:sp>
+        <p:nvSpPr>
+          <p:cNvPr id="2" name="标题 1">
+            <a:extLst>
+              <a:ext uri="{FF2B5EF4-FFF2-40B4-BE49-F238E27FC236}">
+                <a16:creationId xmlns:a16="http://schemas.microsoft.com/office/drawing/2014/main" id="{FF071E33-6538-40E3-9F7D-CF21106070F4}"/>
+              </a:ext>
+            </a:extLst>
+          </p:cNvPr>
+          <p:cNvSpPr>
+            <a:spLocks noGrp="1"/>
+          </p:cNvSpPr>
+          <p:nvPr>
+            <p:ph type="title"/>
+          </p:nvPr>
+        </p:nvSpPr>
+        <p:spPr/>
+        <p:txBody>
+          <a:bodyPr/>
+          <a:lstStyle/>
+          <a:p>
+            <a:r>
+              <a:rPr lang="en-US" altLang="zh-CN" dirty="0"/>
+              <a:t>TCP</a:t>
+            </a:r>
+            <a:endParaRPr lang="zh-CN" altLang="en-US" dirty="0"/>
+          </a:p>
+        </p:txBody>
+      </p:sp>
+      <p:pic>
+        <p:nvPicPr>
+          <p:cNvPr id="5" name="内容占位符 4">
+            <a:extLst>
+              <a:ext uri="{FF2B5EF4-FFF2-40B4-BE49-F238E27FC236}">
+                <a16:creationId xmlns:a16="http://schemas.microsoft.com/office/drawing/2014/main" id="{65745041-32CE-4A36-B6A3-320ED49C2EF5}"/>
+              </a:ext>
+            </a:extLst>
+          </p:cNvPr>
+          <p:cNvPicPr>
+            <a:picLocks noGrp="1" noChangeAspect="1"/>
+          </p:cNvPicPr>
+          <p:nvPr>
+            <p:ph idx="1"/>
+          </p:nvPr>
+        </p:nvPicPr>
+        <p:blipFill>
+          <a:blip r:embed="rId2"/>
+          <a:stretch>
+            <a:fillRect/>
+          </a:stretch>
+        </p:blipFill>
+        <p:spPr>
+          <a:xfrm>
+            <a:off x="3992634" y="1825625"/>
+            <a:ext cx="4206731" cy="4351338"/>
+          </a:xfrm>
+        </p:spPr>
+      </p:pic>
+    </p:spTree>
+    <p:extLst>
+      <p:ext uri="{BB962C8B-B14F-4D97-AF65-F5344CB8AC3E}">
+        <p14:creationId xmlns:p14="http://schemas.microsoft.com/office/powerpoint/2010/main" val="3897123676"/>
+      </p:ext>
+    </p:extLst>
+  </p:cSld>
+  <p:clrMapOvr>
+    <a:masterClrMapping/>
+  </p:clrMapOvr>
+</p:sld>
+</file>
+
+<file path=ppt/slides/slide21.xml><?xml version="1.0" encoding="utf-8"?>
+<p:sld xmlns:a="http://schemas.openxmlformats.org/drawingml/2006/main" xmlns:r="http://schemas.openxmlformats.org/officeDocument/2006/relationships" xmlns:p="http://schemas.openxmlformats.org/presentationml/2006/main">
+  <p:cSld>
+    <p:spTree>
+      <p:nvGrpSpPr>
+        <p:cNvPr id="1" name=""/>
+        <p:cNvGrpSpPr/>
+        <p:nvPr/>
+      </p:nvGrpSpPr>
+      <p:grpSpPr>
+        <a:xfrm>
+          <a:off x="0" y="0"/>
+          <a:ext cx="0" cy="0"/>
+          <a:chOff x="0" y="0"/>
+          <a:chExt cx="0" cy="0"/>
+        </a:xfrm>
+      </p:grpSpPr>
+      <p:sp>
+        <p:nvSpPr>
+          <p:cNvPr id="2" name="标题 1">
+            <a:extLst>
+              <a:ext uri="{FF2B5EF4-FFF2-40B4-BE49-F238E27FC236}">
+                <a16:creationId xmlns:a16="http://schemas.microsoft.com/office/drawing/2014/main" id="{3EFDD4DA-21C1-4213-80C7-0B4DD6ECCACC}"/>
+              </a:ext>
+            </a:extLst>
+          </p:cNvPr>
+          <p:cNvSpPr>
+            <a:spLocks noGrp="1"/>
+          </p:cNvSpPr>
+          <p:nvPr>
+            <p:ph type="title"/>
+          </p:nvPr>
+        </p:nvSpPr>
+        <p:spPr/>
+        <p:txBody>
+          <a:bodyPr/>
+          <a:lstStyle/>
+          <a:p>
+            <a:r>
+              <a:rPr lang="en-US" altLang="zh-CN" dirty="0"/>
+              <a:t>TCP</a:t>
+            </a:r>
+            <a:endParaRPr lang="zh-CN" altLang="en-US" dirty="0"/>
+          </a:p>
+        </p:txBody>
+      </p:sp>
+      <p:pic>
+        <p:nvPicPr>
+          <p:cNvPr id="4100" name="Picture 4">
+            <a:extLst>
+              <a:ext uri="{FF2B5EF4-FFF2-40B4-BE49-F238E27FC236}">
+                <a16:creationId xmlns:a16="http://schemas.microsoft.com/office/drawing/2014/main" id="{0B44FBE4-4881-4648-A5B2-F1FD3BCDC892}"/>
+              </a:ext>
+            </a:extLst>
+          </p:cNvPr>
+          <p:cNvPicPr>
+            <a:picLocks noGrp="1" noChangeAspect="1" noChangeArrowheads="1"/>
+          </p:cNvPicPr>
+          <p:nvPr>
+            <p:ph idx="1"/>
+          </p:nvPr>
+        </p:nvPicPr>
+        <p:blipFill>
+          <a:blip r:embed="rId2">
+            <a:extLst>
+              <a:ext uri="{28A0092B-C50C-407E-A947-70E740481C1C}">
+                <a14:useLocalDpi xmlns:a14="http://schemas.microsoft.com/office/drawing/2010/main" val="0"/>
+              </a:ext>
+            </a:extLst>
+          </a:blip>
+          <a:srcRect/>
+          <a:stretch>
+            <a:fillRect/>
+          </a:stretch>
+        </p:blipFill>
+        <p:spPr bwMode="auto">
+          <a:xfrm>
+            <a:off x="3585310" y="1825625"/>
+            <a:ext cx="5021380" cy="4351338"/>
+          </a:xfrm>
+          <a:prstGeom prst="rect">
+            <a:avLst/>
+          </a:prstGeom>
+          <a:noFill/>
+          <a:extLst>
+            <a:ext uri="{909E8E84-426E-40DD-AFC4-6F175D3DCCD1}">
+              <a14:hiddenFill xmlns:a14="http://schemas.microsoft.com/office/drawing/2010/main">
+                <a:solidFill>
+                  <a:srgbClr val="FFFFFF"/>
+                </a:solidFill>
+              </a14:hiddenFill>
+            </a:ext>
+          </a:extLst>
+        </p:spPr>
+      </p:pic>
+    </p:spTree>
+    <p:extLst>
+      <p:ext uri="{BB962C8B-B14F-4D97-AF65-F5344CB8AC3E}">
+        <p14:creationId xmlns:p14="http://schemas.microsoft.com/office/powerpoint/2010/main" val="2100469430"/>
+      </p:ext>
+    </p:extLst>
+  </p:cSld>
+  <p:clrMapOvr>
+    <a:masterClrMapping/>
+  </p:clrMapOvr>
+</p:sld>
+</file>
+
+<file path=ppt/slides/slide22.xml><?xml version="1.0" encoding="utf-8"?>
+<p:sld xmlns:a="http://schemas.openxmlformats.org/drawingml/2006/main" xmlns:r="http://schemas.openxmlformats.org/officeDocument/2006/relationships" xmlns:p="http://schemas.openxmlformats.org/presentationml/2006/main">
+  <p:cSld>
+    <p:spTree>
+      <p:nvGrpSpPr>
+        <p:cNvPr id="1" name=""/>
+        <p:cNvGrpSpPr/>
+        <p:nvPr/>
+      </p:nvGrpSpPr>
+      <p:grpSpPr>
+        <a:xfrm>
+          <a:off x="0" y="0"/>
+          <a:ext cx="0" cy="0"/>
+          <a:chOff x="0" y="0"/>
+          <a:chExt cx="0" cy="0"/>
+        </a:xfrm>
+      </p:grpSpPr>
+      <p:sp>
+        <p:nvSpPr>
+          <p:cNvPr id="2" name="标题 1">
+            <a:extLst>
+              <a:ext uri="{FF2B5EF4-FFF2-40B4-BE49-F238E27FC236}">
+                <a16:creationId xmlns:a16="http://schemas.microsoft.com/office/drawing/2014/main" id="{E0272CB8-7D2C-44D8-8573-BA03FC98D9EC}"/>
+              </a:ext>
+            </a:extLst>
+          </p:cNvPr>
+          <p:cNvSpPr>
+            <a:spLocks noGrp="1"/>
+          </p:cNvSpPr>
+          <p:nvPr>
+            <p:ph type="title"/>
+          </p:nvPr>
+        </p:nvSpPr>
+        <p:spPr/>
+        <p:txBody>
+          <a:bodyPr/>
+          <a:lstStyle/>
+          <a:p>
+            <a:r>
+              <a:rPr lang="en-US" altLang="zh-CN" dirty="0"/>
+              <a:t>Network Layer: IP</a:t>
+            </a:r>
+            <a:endParaRPr lang="zh-CN" altLang="en-US" dirty="0"/>
+          </a:p>
+        </p:txBody>
+      </p:sp>
+      <p:sp>
+        <p:nvSpPr>
+          <p:cNvPr id="3" name="文本占位符 2">
+            <a:extLst>
+              <a:ext uri="{FF2B5EF4-FFF2-40B4-BE49-F238E27FC236}">
+                <a16:creationId xmlns:a16="http://schemas.microsoft.com/office/drawing/2014/main" id="{19D86C3B-CA7F-49C5-A09E-3BCE5C8E6D8B}"/>
+              </a:ext>
+            </a:extLst>
+          </p:cNvPr>
+          <p:cNvSpPr>
+            <a:spLocks noGrp="1"/>
+          </p:cNvSpPr>
+          <p:nvPr>
+            <p:ph type="body" idx="1"/>
+          </p:nvPr>
+        </p:nvSpPr>
+        <p:spPr/>
+        <p:txBody>
+          <a:bodyPr/>
+          <a:lstStyle/>
+          <a:p>
+            <a:r>
+              <a:rPr lang="en-US" altLang="zh-CN" dirty="0"/>
+              <a:t>Chapter 4</a:t>
+            </a:r>
+            <a:endParaRPr lang="zh-CN" altLang="en-US" dirty="0"/>
+          </a:p>
+        </p:txBody>
+      </p:sp>
+    </p:spTree>
+    <p:extLst>
+      <p:ext uri="{BB962C8B-B14F-4D97-AF65-F5344CB8AC3E}">
+        <p14:creationId xmlns:p14="http://schemas.microsoft.com/office/powerpoint/2010/main" val="337554115"/>
+      </p:ext>
+    </p:extLst>
+  </p:cSld>
+  <p:clrMapOvr>
+    <a:masterClrMapping/>
+  </p:clrMapOvr>
+</p:sld>
+</file>
+
+<file path=ppt/slides/slide23.xml><?xml version="1.0" encoding="utf-8"?>
+<p:sld xmlns:a="http://schemas.openxmlformats.org/drawingml/2006/main" xmlns:r="http://schemas.openxmlformats.org/officeDocument/2006/relationships" xmlns:p="http://schemas.openxmlformats.org/presentationml/2006/main">
+  <p:cSld>
+    <p:spTree>
+      <p:nvGrpSpPr>
+        <p:cNvPr id="1" name=""/>
+        <p:cNvGrpSpPr/>
+        <p:nvPr/>
+      </p:nvGrpSpPr>
+      <p:grpSpPr>
+        <a:xfrm>
+          <a:off x="0" y="0"/>
+          <a:ext cx="0" cy="0"/>
+          <a:chOff x="0" y="0"/>
+          <a:chExt cx="0" cy="0"/>
+        </a:xfrm>
+      </p:grpSpPr>
+      <p:sp>
+        <p:nvSpPr>
+          <p:cNvPr id="2" name="标题 1">
+            <a:extLst>
+              <a:ext uri="{FF2B5EF4-FFF2-40B4-BE49-F238E27FC236}">
+                <a16:creationId xmlns:a16="http://schemas.microsoft.com/office/drawing/2014/main" id="{4D95365B-9681-4C7E-9ACB-F6014C35AE43}"/>
+              </a:ext>
+            </a:extLst>
+          </p:cNvPr>
+          <p:cNvSpPr>
+            <a:spLocks noGrp="1"/>
+          </p:cNvSpPr>
+          <p:nvPr>
+            <p:ph type="title"/>
+          </p:nvPr>
+        </p:nvSpPr>
+        <p:spPr/>
+        <p:txBody>
+          <a:bodyPr/>
+          <a:lstStyle/>
+          <a:p>
+            <a:r>
+              <a:rPr lang="en-US" altLang="zh-CN" dirty="0"/>
+              <a:t>Forwarding, Routing</a:t>
+            </a:r>
+            <a:endParaRPr lang="zh-CN" altLang="en-US" dirty="0"/>
+          </a:p>
+        </p:txBody>
+      </p:sp>
+      <p:sp>
+        <p:nvSpPr>
+          <p:cNvPr id="3" name="内容占位符 2">
+            <a:extLst>
+              <a:ext uri="{FF2B5EF4-FFF2-40B4-BE49-F238E27FC236}">
+                <a16:creationId xmlns:a16="http://schemas.microsoft.com/office/drawing/2014/main" id="{6FDB04CF-37C5-43DB-98BB-CEA673D3AA7A}"/>
+              </a:ext>
+            </a:extLst>
+          </p:cNvPr>
+          <p:cNvSpPr>
+            <a:spLocks noGrp="1"/>
+          </p:cNvSpPr>
+          <p:nvPr>
+            <p:ph idx="1"/>
+          </p:nvPr>
+        </p:nvSpPr>
+        <p:spPr/>
+        <p:txBody>
+          <a:bodyPr/>
+          <a:lstStyle/>
+          <a:p>
+            <a:r>
+              <a:rPr lang="en-US" altLang="zh-CN" dirty="0"/>
+              <a:t>Forwarding: router chooses output link.</a:t>
+            </a:r>
+          </a:p>
+          <a:p>
+            <a:r>
+              <a:rPr lang="en-US" altLang="zh-CN" dirty="0"/>
+              <a:t>Routing: network layer decides path.</a:t>
+            </a:r>
+          </a:p>
+          <a:p>
+            <a:r>
+              <a:rPr lang="en-US" altLang="zh-CN" dirty="0"/>
+              <a:t>Network service model:</a:t>
+            </a:r>
+          </a:p>
+          <a:p>
+            <a:pPr lvl="1"/>
+            <a:r>
+              <a:rPr lang="en-US" altLang="zh-CN" dirty="0"/>
+              <a:t>Delivery confirm.</a:t>
+            </a:r>
+          </a:p>
+          <a:p>
+            <a:pPr lvl="1"/>
+            <a:r>
+              <a:rPr lang="en-US" altLang="zh-CN" dirty="0"/>
+              <a:t>Delivery with upper time bound.</a:t>
+            </a:r>
+          </a:p>
+          <a:p>
+            <a:pPr lvl="1"/>
+            <a:r>
+              <a:rPr lang="en-US" altLang="zh-CN" dirty="0"/>
+              <a:t>Orderly packet delivery.</a:t>
+            </a:r>
+          </a:p>
+          <a:p>
+            <a:pPr lvl="1"/>
+            <a:r>
+              <a:rPr lang="en-US" altLang="zh-CN" dirty="0"/>
+              <a:t>Minimal traffic width.</a:t>
+            </a:r>
+          </a:p>
+          <a:p>
+            <a:pPr lvl="1"/>
+            <a:r>
+              <a:rPr lang="en-US" altLang="zh-CN" dirty="0"/>
+              <a:t>Upper delay jitter.</a:t>
+            </a:r>
+          </a:p>
+          <a:p>
+            <a:pPr lvl="1"/>
+            <a:r>
+              <a:rPr lang="en-US" altLang="zh-CN" dirty="0"/>
+              <a:t>Security service.</a:t>
+            </a:r>
+            <a:endParaRPr lang="zh-CN" altLang="en-US" dirty="0"/>
+          </a:p>
+        </p:txBody>
+      </p:sp>
+    </p:spTree>
+    <p:extLst>
+      <p:ext uri="{BB962C8B-B14F-4D97-AF65-F5344CB8AC3E}">
+        <p14:creationId xmlns:p14="http://schemas.microsoft.com/office/powerpoint/2010/main" val="3881178988"/>
+      </p:ext>
+    </p:extLst>
+  </p:cSld>
+  <p:clrMapOvr>
+    <a:masterClrMapping/>
+  </p:clrMapOvr>
+</p:sld>
+</file>
+
+<file path=ppt/slides/slide24.xml><?xml version="1.0" encoding="utf-8"?>
+<p:sld xmlns:a="http://schemas.openxmlformats.org/drawingml/2006/main" xmlns:r="http://schemas.openxmlformats.org/officeDocument/2006/relationships" xmlns:p="http://schemas.openxmlformats.org/presentationml/2006/main">
+  <p:cSld>
+    <p:spTree>
+      <p:nvGrpSpPr>
+        <p:cNvPr id="1" name=""/>
+        <p:cNvGrpSpPr/>
+        <p:nvPr/>
+      </p:nvGrpSpPr>
+      <p:grpSpPr>
+        <a:xfrm>
+          <a:off x="0" y="0"/>
+          <a:ext cx="0" cy="0"/>
+          <a:chOff x="0" y="0"/>
+          <a:chExt cx="0" cy="0"/>
+        </a:xfrm>
+      </p:grpSpPr>
+      <p:sp>
+        <p:nvSpPr>
+          <p:cNvPr id="2" name="标题 1">
+            <a:extLst>
+              <a:ext uri="{FF2B5EF4-FFF2-40B4-BE49-F238E27FC236}">
+                <a16:creationId xmlns:a16="http://schemas.microsoft.com/office/drawing/2014/main" id="{C04AD834-7893-4ABA-A141-C5AD536AD294}"/>
+              </a:ext>
+            </a:extLst>
+          </p:cNvPr>
+          <p:cNvSpPr>
+            <a:spLocks noGrp="1"/>
+          </p:cNvSpPr>
+          <p:nvPr>
+            <p:ph type="title"/>
+          </p:nvPr>
+        </p:nvSpPr>
+        <p:spPr/>
+        <p:txBody>
+          <a:bodyPr/>
+          <a:lstStyle/>
+          <a:p>
+            <a:r>
+              <a:rPr lang="en-US" altLang="zh-CN" dirty="0"/>
+              <a:t>IPv4</a:t>
+            </a:r>
+            <a:endParaRPr lang="zh-CN" altLang="en-US" dirty="0"/>
+          </a:p>
+        </p:txBody>
+      </p:sp>
+      <p:pic>
+        <p:nvPicPr>
+          <p:cNvPr id="5122" name="Picture 2" descr="IP Header">
+            <a:extLst>
+              <a:ext uri="{FF2B5EF4-FFF2-40B4-BE49-F238E27FC236}">
+                <a16:creationId xmlns:a16="http://schemas.microsoft.com/office/drawing/2014/main" id="{9652C7B2-7C6D-40EA-85C5-138D665E017F}"/>
+              </a:ext>
+            </a:extLst>
+          </p:cNvPr>
+          <p:cNvPicPr>
+            <a:picLocks noGrp="1" noChangeAspect="1" noChangeArrowheads="1"/>
+          </p:cNvPicPr>
+          <p:nvPr>
+            <p:ph idx="1"/>
+          </p:nvPr>
+        </p:nvPicPr>
+        <p:blipFill>
+          <a:blip r:embed="rId2">
+            <a:extLst>
+              <a:ext uri="{28A0092B-C50C-407E-A947-70E740481C1C}">
+                <a14:useLocalDpi xmlns:a14="http://schemas.microsoft.com/office/drawing/2010/main" val="0"/>
+              </a:ext>
+            </a:extLst>
+          </a:blip>
+          <a:srcRect/>
+          <a:stretch>
+            <a:fillRect/>
+          </a:stretch>
+        </p:blipFill>
+        <p:spPr bwMode="auto">
+          <a:xfrm>
+            <a:off x="3429000" y="2563019"/>
+            <a:ext cx="5334000" cy="2876550"/>
+          </a:xfrm>
+          <a:prstGeom prst="rect">
+            <a:avLst/>
+          </a:prstGeom>
+          <a:noFill/>
+          <a:extLst>
+            <a:ext uri="{909E8E84-426E-40DD-AFC4-6F175D3DCCD1}">
+              <a14:hiddenFill xmlns:a14="http://schemas.microsoft.com/office/drawing/2010/main">
+                <a:solidFill>
+                  <a:srgbClr val="FFFFFF"/>
+                </a:solidFill>
+              </a14:hiddenFill>
+            </a:ext>
+          </a:extLst>
+        </p:spPr>
+      </p:pic>
+    </p:spTree>
+    <p:extLst>
+      <p:ext uri="{BB962C8B-B14F-4D97-AF65-F5344CB8AC3E}">
+        <p14:creationId xmlns:p14="http://schemas.microsoft.com/office/powerpoint/2010/main" val="1993494364"/>
+      </p:ext>
+    </p:extLst>
+  </p:cSld>
+  <p:clrMapOvr>
+    <a:masterClrMapping/>
+  </p:clrMapOvr>
+</p:sld>
+</file>
+
+<file path=ppt/slides/slide25.xml><?xml version="1.0" encoding="utf-8"?>
+<p:sld xmlns:a="http://schemas.openxmlformats.org/drawingml/2006/main" xmlns:r="http://schemas.openxmlformats.org/officeDocument/2006/relationships" xmlns:p="http://schemas.openxmlformats.org/presentationml/2006/main">
+  <p:cSld>
+    <p:spTree>
+      <p:nvGrpSpPr>
+        <p:cNvPr id="1" name=""/>
+        <p:cNvGrpSpPr/>
+        <p:nvPr/>
+      </p:nvGrpSpPr>
+      <p:grpSpPr>
+        <a:xfrm>
+          <a:off x="0" y="0"/>
+          <a:ext cx="0" cy="0"/>
+          <a:chOff x="0" y="0"/>
+          <a:chExt cx="0" cy="0"/>
+        </a:xfrm>
+      </p:grpSpPr>
+      <p:sp>
+        <p:nvSpPr>
+          <p:cNvPr id="2" name="标题 1">
+            <a:extLst>
+              <a:ext uri="{FF2B5EF4-FFF2-40B4-BE49-F238E27FC236}">
+                <a16:creationId xmlns:a16="http://schemas.microsoft.com/office/drawing/2014/main" id="{9263419D-1466-4176-8404-010A0473C2A7}"/>
+              </a:ext>
+            </a:extLst>
+          </p:cNvPr>
+          <p:cNvSpPr>
+            <a:spLocks noGrp="1"/>
+          </p:cNvSpPr>
+          <p:nvPr>
+            <p:ph type="title"/>
+          </p:nvPr>
+        </p:nvSpPr>
+        <p:spPr/>
+        <p:txBody>
+          <a:bodyPr/>
+          <a:lstStyle/>
+          <a:p>
+            <a:r>
+              <a:rPr lang="en-US" altLang="zh-CN" dirty="0"/>
+              <a:t>IPv4</a:t>
+            </a:r>
+            <a:endParaRPr lang="zh-CN" altLang="en-US" dirty="0"/>
+          </a:p>
+        </p:txBody>
+      </p:sp>
+      <p:sp>
+        <p:nvSpPr>
+          <p:cNvPr id="3" name="内容占位符 2">
+            <a:extLst>
+              <a:ext uri="{FF2B5EF4-FFF2-40B4-BE49-F238E27FC236}">
+                <a16:creationId xmlns:a16="http://schemas.microsoft.com/office/drawing/2014/main" id="{150FC083-CA66-49FE-AAFD-162D401B454D}"/>
+              </a:ext>
+            </a:extLst>
+          </p:cNvPr>
+          <p:cNvSpPr>
+            <a:spLocks noGrp="1"/>
+          </p:cNvSpPr>
+          <p:nvPr>
+            <p:ph idx="1"/>
+          </p:nvPr>
+        </p:nvSpPr>
+        <p:spPr/>
+        <p:txBody>
+          <a:bodyPr/>
+          <a:lstStyle/>
+          <a:p>
+            <a:r>
+              <a:rPr lang="en-US" altLang="zh-CN" dirty="0"/>
+              <a:t>IP packet length: smaller than 1500 bytes.</a:t>
+            </a:r>
+          </a:p>
+          <a:p>
+            <a:r>
+              <a:rPr lang="en-US" altLang="zh-CN" dirty="0"/>
+              <a:t>Checksum: similar to UDP checksum.</a:t>
+            </a:r>
+          </a:p>
+          <a:p>
+            <a:r>
+              <a:rPr lang="en-US" altLang="zh-CN" dirty="0"/>
+              <a:t>MTU: Maximum Transmission Unit.</a:t>
+            </a:r>
+          </a:p>
+          <a:p>
+            <a:endParaRPr lang="zh-CN" altLang="en-US" dirty="0"/>
+          </a:p>
+        </p:txBody>
+      </p:sp>
+      <p:pic>
+        <p:nvPicPr>
+          <p:cNvPr id="5" name="图片 4">
+            <a:extLst>
+              <a:ext uri="{FF2B5EF4-FFF2-40B4-BE49-F238E27FC236}">
+                <a16:creationId xmlns:a16="http://schemas.microsoft.com/office/drawing/2014/main" id="{9C09B7B7-0E94-4C5D-BA35-F75AD900ADBB}"/>
+              </a:ext>
+            </a:extLst>
+          </p:cNvPr>
+          <p:cNvPicPr>
+            <a:picLocks noChangeAspect="1"/>
+          </p:cNvPicPr>
+          <p:nvPr/>
+        </p:nvPicPr>
+        <p:blipFill>
+          <a:blip r:embed="rId2"/>
+          <a:stretch>
+            <a:fillRect/>
+          </a:stretch>
+        </p:blipFill>
+        <p:spPr>
+          <a:xfrm>
+            <a:off x="838200" y="3410381"/>
+            <a:ext cx="4133333" cy="3447619"/>
+          </a:xfrm>
+          <a:prstGeom prst="rect">
+            <a:avLst/>
+          </a:prstGeom>
+        </p:spPr>
+      </p:pic>
+    </p:spTree>
+    <p:extLst>
+      <p:ext uri="{BB962C8B-B14F-4D97-AF65-F5344CB8AC3E}">
+        <p14:creationId xmlns:p14="http://schemas.microsoft.com/office/powerpoint/2010/main" val="1830784482"/>
+      </p:ext>
+    </p:extLst>
+  </p:cSld>
+  <p:clrMapOvr>
+    <a:masterClrMapping/>
+  </p:clrMapOvr>
+</p:sld>
+</file>
+
+<file path=ppt/slides/slide26.xml><?xml version="1.0" encoding="utf-8"?>
+<p:sld xmlns:a="http://schemas.openxmlformats.org/drawingml/2006/main" xmlns:r="http://schemas.openxmlformats.org/officeDocument/2006/relationships" xmlns:p="http://schemas.openxmlformats.org/presentationml/2006/main">
+  <p:cSld>
+    <p:spTree>
+      <p:nvGrpSpPr>
+        <p:cNvPr id="1" name=""/>
+        <p:cNvGrpSpPr/>
+        <p:nvPr/>
+      </p:nvGrpSpPr>
+      <p:grpSpPr>
+        <a:xfrm>
+          <a:off x="0" y="0"/>
+          <a:ext cx="0" cy="0"/>
+          <a:chOff x="0" y="0"/>
+          <a:chExt cx="0" cy="0"/>
+        </a:xfrm>
+      </p:grpSpPr>
+      <p:sp>
+        <p:nvSpPr>
+          <p:cNvPr id="2" name="标题 1">
+            <a:extLst>
+              <a:ext uri="{FF2B5EF4-FFF2-40B4-BE49-F238E27FC236}">
+                <a16:creationId xmlns:a16="http://schemas.microsoft.com/office/drawing/2014/main" id="{F192358C-8170-42DB-9B3B-DEFA85931C5F}"/>
+              </a:ext>
+            </a:extLst>
+          </p:cNvPr>
+          <p:cNvSpPr>
+            <a:spLocks noGrp="1"/>
+          </p:cNvSpPr>
+          <p:nvPr>
+            <p:ph type="title"/>
+          </p:nvPr>
+        </p:nvSpPr>
+        <p:spPr/>
+        <p:txBody>
+          <a:bodyPr/>
+          <a:lstStyle/>
+          <a:p>
+            <a:r>
+              <a:rPr lang="en-US" altLang="zh-CN" dirty="0"/>
+              <a:t>NAT</a:t>
+            </a:r>
+            <a:endParaRPr lang="zh-CN" altLang="en-US" dirty="0"/>
+          </a:p>
+        </p:txBody>
+      </p:sp>
+      <p:sp>
+        <p:nvSpPr>
+          <p:cNvPr id="3" name="内容占位符 2">
+            <a:extLst>
+              <a:ext uri="{FF2B5EF4-FFF2-40B4-BE49-F238E27FC236}">
+                <a16:creationId xmlns:a16="http://schemas.microsoft.com/office/drawing/2014/main" id="{116FD674-BBC5-4794-AE6A-AB1844B52097}"/>
+              </a:ext>
+            </a:extLst>
+          </p:cNvPr>
+          <p:cNvSpPr>
+            <a:spLocks noGrp="1"/>
+          </p:cNvSpPr>
+          <p:nvPr>
+            <p:ph idx="1"/>
+          </p:nvPr>
+        </p:nvSpPr>
+        <p:spPr/>
+        <p:txBody>
+          <a:bodyPr/>
+          <a:lstStyle/>
+          <a:p>
+            <a:r>
+              <a:rPr lang="en-US" altLang="zh-CN" dirty="0"/>
+              <a:t>Network Address Translation, NAT</a:t>
+            </a:r>
+          </a:p>
+          <a:p>
+            <a:endParaRPr lang="zh-CN" altLang="en-US" dirty="0"/>
+          </a:p>
+        </p:txBody>
+      </p:sp>
+      <p:pic>
+        <p:nvPicPr>
+          <p:cNvPr id="5" name="图片 4">
+            <a:extLst>
+              <a:ext uri="{FF2B5EF4-FFF2-40B4-BE49-F238E27FC236}">
+                <a16:creationId xmlns:a16="http://schemas.microsoft.com/office/drawing/2014/main" id="{C8001C2C-FAC6-4871-BBD8-CD32E4CCFBB0}"/>
+              </a:ext>
+            </a:extLst>
+          </p:cNvPr>
+          <p:cNvPicPr>
+            <a:picLocks noChangeAspect="1"/>
+          </p:cNvPicPr>
+          <p:nvPr/>
+        </p:nvPicPr>
+        <p:blipFill>
+          <a:blip r:embed="rId2"/>
+          <a:stretch>
+            <a:fillRect/>
+          </a:stretch>
+        </p:blipFill>
+        <p:spPr>
+          <a:xfrm>
+            <a:off x="841131" y="2296532"/>
+            <a:ext cx="6876190" cy="3409524"/>
+          </a:xfrm>
+          <a:prstGeom prst="rect">
+            <a:avLst/>
+          </a:prstGeom>
+        </p:spPr>
+      </p:pic>
+    </p:spTree>
+    <p:extLst>
+      <p:ext uri="{BB962C8B-B14F-4D97-AF65-F5344CB8AC3E}">
+        <p14:creationId xmlns:p14="http://schemas.microsoft.com/office/powerpoint/2010/main" val="1138615916"/>
+      </p:ext>
+    </p:extLst>
+  </p:cSld>
+  <p:clrMapOvr>
+    <a:masterClrMapping/>
+  </p:clrMapOvr>
+</p:sld>
+</file>
+
+<file path=ppt/slides/slide27.xml><?xml version="1.0" encoding="utf-8"?>
+<p:sld xmlns:a="http://schemas.openxmlformats.org/drawingml/2006/main" xmlns:r="http://schemas.openxmlformats.org/officeDocument/2006/relationships" xmlns:p="http://schemas.openxmlformats.org/presentationml/2006/main">
+  <p:cSld>
+    <p:spTree>
+      <p:nvGrpSpPr>
+        <p:cNvPr id="1" name=""/>
+        <p:cNvGrpSpPr/>
+        <p:nvPr/>
+      </p:nvGrpSpPr>
+      <p:grpSpPr>
+        <a:xfrm>
+          <a:off x="0" y="0"/>
+          <a:ext cx="0" cy="0"/>
+          <a:chOff x="0" y="0"/>
+          <a:chExt cx="0" cy="0"/>
+        </a:xfrm>
+      </p:grpSpPr>
+      <p:sp>
+        <p:nvSpPr>
+          <p:cNvPr id="2" name="标题 1">
+            <a:extLst>
+              <a:ext uri="{FF2B5EF4-FFF2-40B4-BE49-F238E27FC236}">
+                <a16:creationId xmlns:a16="http://schemas.microsoft.com/office/drawing/2014/main" id="{086D576F-B794-48FD-A148-3A8C17ECCA34}"/>
+              </a:ext>
+            </a:extLst>
+          </p:cNvPr>
+          <p:cNvSpPr>
+            <a:spLocks noGrp="1"/>
+          </p:cNvSpPr>
+          <p:nvPr>
+            <p:ph type="title"/>
+          </p:nvPr>
+        </p:nvSpPr>
+        <p:spPr/>
+        <p:txBody>
+          <a:bodyPr/>
+          <a:lstStyle/>
+          <a:p>
+            <a:r>
+              <a:rPr lang="en-US" altLang="zh-CN" dirty="0"/>
+              <a:t>IPv6</a:t>
+            </a:r>
+            <a:endParaRPr lang="zh-CN" altLang="en-US" dirty="0"/>
+          </a:p>
+        </p:txBody>
+      </p:sp>
+      <p:sp>
+        <p:nvSpPr>
+          <p:cNvPr id="3" name="内容占位符 2">
+            <a:extLst>
+              <a:ext uri="{FF2B5EF4-FFF2-40B4-BE49-F238E27FC236}">
+                <a16:creationId xmlns:a16="http://schemas.microsoft.com/office/drawing/2014/main" id="{7B4DF89D-F767-4B72-837E-05DD2FFAF2B5}"/>
+              </a:ext>
+            </a:extLst>
+          </p:cNvPr>
+          <p:cNvSpPr>
+            <a:spLocks noGrp="1"/>
+          </p:cNvSpPr>
+          <p:nvPr>
+            <p:ph idx="1"/>
+          </p:nvPr>
+        </p:nvSpPr>
+        <p:spPr/>
+        <p:txBody>
+          <a:bodyPr/>
+          <a:lstStyle/>
+          <a:p>
+            <a:r>
+              <a:rPr lang="en-US" altLang="zh-CN" dirty="0"/>
+              <a:t>Basic headers &amp; extension headers.</a:t>
+            </a:r>
+          </a:p>
+          <a:p>
+            <a:endParaRPr lang="zh-CN" altLang="en-US" dirty="0"/>
+          </a:p>
+        </p:txBody>
+      </p:sp>
+      <p:pic>
+        <p:nvPicPr>
+          <p:cNvPr id="6148" name="Picture 4">
+            <a:extLst>
+              <a:ext uri="{FF2B5EF4-FFF2-40B4-BE49-F238E27FC236}">
+                <a16:creationId xmlns:a16="http://schemas.microsoft.com/office/drawing/2014/main" id="{4FA5529B-AC65-4B05-8724-B8159319CA9F}"/>
+              </a:ext>
+            </a:extLst>
+          </p:cNvPr>
+          <p:cNvPicPr>
+            <a:picLocks noChangeAspect="1" noChangeArrowheads="1"/>
+          </p:cNvPicPr>
+          <p:nvPr/>
+        </p:nvPicPr>
+        <p:blipFill>
+          <a:blip r:embed="rId2">
+            <a:extLst>
+              <a:ext uri="{28A0092B-C50C-407E-A947-70E740481C1C}">
+                <a14:useLocalDpi xmlns:a14="http://schemas.microsoft.com/office/drawing/2010/main" val="0"/>
+              </a:ext>
+            </a:extLst>
+          </a:blip>
+          <a:srcRect/>
+          <a:stretch>
+            <a:fillRect/>
+          </a:stretch>
+        </p:blipFill>
+        <p:spPr bwMode="auto">
+          <a:xfrm>
+            <a:off x="1085850" y="2472531"/>
+            <a:ext cx="5010150" cy="3057525"/>
+          </a:xfrm>
+          <a:prstGeom prst="rect">
+            <a:avLst/>
+          </a:prstGeom>
+          <a:noFill/>
+          <a:extLst>
+            <a:ext uri="{909E8E84-426E-40DD-AFC4-6F175D3DCCD1}">
+              <a14:hiddenFill xmlns:a14="http://schemas.microsoft.com/office/drawing/2010/main">
+                <a:solidFill>
+                  <a:srgbClr val="FFFFFF"/>
+                </a:solidFill>
+              </a14:hiddenFill>
+            </a:ext>
+          </a:extLst>
+        </p:spPr>
+      </p:pic>
+      <p:pic>
+        <p:nvPicPr>
+          <p:cNvPr id="6150" name="Picture 6">
+            <a:extLst>
+              <a:ext uri="{FF2B5EF4-FFF2-40B4-BE49-F238E27FC236}">
+                <a16:creationId xmlns:a16="http://schemas.microsoft.com/office/drawing/2014/main" id="{1DA8B572-E626-49EF-9F89-E6C629DD7594}"/>
+              </a:ext>
+            </a:extLst>
+          </p:cNvPr>
+          <p:cNvPicPr>
+            <a:picLocks noChangeAspect="1" noChangeArrowheads="1"/>
+          </p:cNvPicPr>
+          <p:nvPr/>
+        </p:nvPicPr>
+        <p:blipFill>
+          <a:blip r:embed="rId3">
+            <a:extLst>
+              <a:ext uri="{28A0092B-C50C-407E-A947-70E740481C1C}">
+                <a14:useLocalDpi xmlns:a14="http://schemas.microsoft.com/office/drawing/2010/main" val="0"/>
+              </a:ext>
+            </a:extLst>
+          </a:blip>
+          <a:srcRect/>
+          <a:stretch>
+            <a:fillRect/>
+          </a:stretch>
+        </p:blipFill>
+        <p:spPr bwMode="auto">
+          <a:xfrm>
+            <a:off x="6096000" y="2401093"/>
+            <a:ext cx="4953000" cy="3200400"/>
+          </a:xfrm>
+          <a:prstGeom prst="rect">
+            <a:avLst/>
+          </a:prstGeom>
+          <a:noFill/>
+          <a:extLst>
+            <a:ext uri="{909E8E84-426E-40DD-AFC4-6F175D3DCCD1}">
+              <a14:hiddenFill xmlns:a14="http://schemas.microsoft.com/office/drawing/2010/main">
+                <a:solidFill>
+                  <a:srgbClr val="FFFFFF"/>
+                </a:solidFill>
+              </a14:hiddenFill>
+            </a:ext>
+          </a:extLst>
+        </p:spPr>
+      </p:pic>
+    </p:spTree>
+    <p:extLst>
+      <p:ext uri="{BB962C8B-B14F-4D97-AF65-F5344CB8AC3E}">
+        <p14:creationId xmlns:p14="http://schemas.microsoft.com/office/powerpoint/2010/main" val="1820867252"/>
+      </p:ext>
+    </p:extLst>
+  </p:cSld>
+  <p:clrMapOvr>
+    <a:masterClrMapping/>
+  </p:clrMapOvr>
+</p:sld>
+</file>
+
+<file path=ppt/slides/slide28.xml><?xml version="1.0" encoding="utf-8"?>
+<p:sld xmlns:a="http://schemas.openxmlformats.org/drawingml/2006/main" xmlns:r="http://schemas.openxmlformats.org/officeDocument/2006/relationships" xmlns:p="http://schemas.openxmlformats.org/presentationml/2006/main">
+  <p:cSld>
+    <p:spTree>
+      <p:nvGrpSpPr>
+        <p:cNvPr id="1" name=""/>
+        <p:cNvGrpSpPr/>
+        <p:nvPr/>
+      </p:nvGrpSpPr>
+      <p:grpSpPr>
+        <a:xfrm>
+          <a:off x="0" y="0"/>
+          <a:ext cx="0" cy="0"/>
+          <a:chOff x="0" y="0"/>
+          <a:chExt cx="0" cy="0"/>
+        </a:xfrm>
+      </p:grpSpPr>
+      <p:sp>
+        <p:nvSpPr>
+          <p:cNvPr id="2" name="标题 1">
+            <a:extLst>
+              <a:ext uri="{FF2B5EF4-FFF2-40B4-BE49-F238E27FC236}">
+                <a16:creationId xmlns:a16="http://schemas.microsoft.com/office/drawing/2014/main" id="{A000A1FD-A90E-43B5-9160-E8FEE20134C8}"/>
+              </a:ext>
+            </a:extLst>
+          </p:cNvPr>
+          <p:cNvSpPr>
+            <a:spLocks noGrp="1"/>
+          </p:cNvSpPr>
+          <p:nvPr>
+            <p:ph type="title"/>
+          </p:nvPr>
+        </p:nvSpPr>
+        <p:spPr/>
+        <p:txBody>
+          <a:bodyPr/>
+          <a:lstStyle/>
+          <a:p>
+            <a:r>
+              <a:rPr lang="en-US" altLang="zh-CN" dirty="0"/>
+              <a:t>Link Layer and LAN</a:t>
+            </a:r>
+            <a:endParaRPr lang="zh-CN" altLang="en-US" dirty="0"/>
+          </a:p>
+        </p:txBody>
+      </p:sp>
+      <p:sp>
+        <p:nvSpPr>
+          <p:cNvPr id="3" name="文本占位符 2">
+            <a:extLst>
+              <a:ext uri="{FF2B5EF4-FFF2-40B4-BE49-F238E27FC236}">
+                <a16:creationId xmlns:a16="http://schemas.microsoft.com/office/drawing/2014/main" id="{4AC8D8C9-296B-49FF-9D31-506D0BE7DD80}"/>
+              </a:ext>
+            </a:extLst>
+          </p:cNvPr>
+          <p:cNvSpPr>
+            <a:spLocks noGrp="1"/>
+          </p:cNvSpPr>
+          <p:nvPr>
+            <p:ph type="body" idx="1"/>
+          </p:nvPr>
+        </p:nvSpPr>
+        <p:spPr/>
+        <p:txBody>
+          <a:bodyPr/>
+          <a:lstStyle/>
+          <a:p>
+            <a:r>
+              <a:rPr lang="en-US" altLang="zh-CN" dirty="0"/>
+              <a:t>Chapter 5</a:t>
+            </a:r>
+            <a:endParaRPr lang="zh-CN" altLang="en-US" dirty="0"/>
+          </a:p>
+        </p:txBody>
+      </p:sp>
+    </p:spTree>
+    <p:extLst>
+      <p:ext uri="{BB962C8B-B14F-4D97-AF65-F5344CB8AC3E}">
+        <p14:creationId xmlns:p14="http://schemas.microsoft.com/office/powerpoint/2010/main" val="11766344"/>
+      </p:ext>
+    </p:extLst>
+  </p:cSld>
+  <p:clrMapOvr>
+    <a:masterClrMapping/>
+  </p:clrMapOvr>
+</p:sld>
+</file>
+
+<file path=ppt/slides/slide29.xml><?xml version="1.0" encoding="utf-8"?>
+<p:sld xmlns:a="http://schemas.openxmlformats.org/drawingml/2006/main" xmlns:r="http://schemas.openxmlformats.org/officeDocument/2006/relationships" xmlns:p="http://schemas.openxmlformats.org/presentationml/2006/main">
+  <p:cSld>
+    <p:spTree>
+      <p:nvGrpSpPr>
+        <p:cNvPr id="1" name=""/>
+        <p:cNvGrpSpPr/>
+        <p:nvPr/>
+      </p:nvGrpSpPr>
+      <p:grpSpPr>
+        <a:xfrm>
+          <a:off x="0" y="0"/>
+          <a:ext cx="0" cy="0"/>
+          <a:chOff x="0" y="0"/>
+          <a:chExt cx="0" cy="0"/>
+        </a:xfrm>
+      </p:grpSpPr>
+      <p:sp>
+        <p:nvSpPr>
+          <p:cNvPr id="2" name="标题 1">
+            <a:extLst>
+              <a:ext uri="{FF2B5EF4-FFF2-40B4-BE49-F238E27FC236}">
+                <a16:creationId xmlns:a16="http://schemas.microsoft.com/office/drawing/2014/main" id="{990D1407-4BA7-47E0-8D1E-258D3211FC77}"/>
+              </a:ext>
+            </a:extLst>
+          </p:cNvPr>
+          <p:cNvSpPr>
+            <a:spLocks noGrp="1"/>
+          </p:cNvSpPr>
+          <p:nvPr>
+            <p:ph type="title"/>
+          </p:nvPr>
+        </p:nvSpPr>
+        <p:spPr/>
+        <p:txBody>
+          <a:bodyPr/>
+          <a:lstStyle/>
+          <a:p>
+            <a:endParaRPr lang="zh-CN" altLang="en-US"/>
+          </a:p>
+        </p:txBody>
+      </p:sp>
+      <p:sp>
+        <p:nvSpPr>
+          <p:cNvPr id="3" name="内容占位符 2">
+            <a:extLst>
+              <a:ext uri="{FF2B5EF4-FFF2-40B4-BE49-F238E27FC236}">
+                <a16:creationId xmlns:a16="http://schemas.microsoft.com/office/drawing/2014/main" id="{4746FACB-06BB-4775-9633-BDDBA0293E12}"/>
+              </a:ext>
+            </a:extLst>
+          </p:cNvPr>
+          <p:cNvSpPr>
+            <a:spLocks noGrp="1"/>
+          </p:cNvSpPr>
+          <p:nvPr>
+            <p:ph idx="1"/>
+          </p:nvPr>
+        </p:nvSpPr>
+        <p:spPr/>
+        <p:txBody>
+          <a:bodyPr/>
+          <a:lstStyle/>
+          <a:p>
+            <a:endParaRPr lang="zh-CN" altLang="en-US"/>
+          </a:p>
+        </p:txBody>
+      </p:sp>
+    </p:spTree>
+    <p:extLst>
+      <p:ext uri="{BB962C8B-B14F-4D97-AF65-F5344CB8AC3E}">
+        <p14:creationId xmlns:p14="http://schemas.microsoft.com/office/powerpoint/2010/main" val="2619061322"/>
+      </p:ext>
+    </p:extLst>
+  </p:cSld>
+  <p:clrMapOvr>
+    <a:masterClrMapping/>
+  </p:clrMapOvr>
+</p:sld>
+</file>
+
+<file path=ppt/slides/slide3.xml><?xml version="1.0" encoding="utf-8"?>
+<p:sld xmlns:a="http://schemas.openxmlformats.org/drawingml/2006/main" xmlns:r="http://schemas.openxmlformats.org/officeDocument/2006/relationships" xmlns:p="http://schemas.openxmlformats.org/presentationml/2006/main">
+  <p:cSld>
+    <p:spTree>
+      <p:nvGrpSpPr>
+        <p:cNvPr id="1" name=""/>
+        <p:cNvGrpSpPr/>
+        <p:nvPr/>
+      </p:nvGrpSpPr>
+      <p:grpSpPr>
+        <a:xfrm>
+          <a:off x="0" y="0"/>
+          <a:ext cx="0" cy="0"/>
+          <a:chOff x="0" y="0"/>
+          <a:chExt cx="0" cy="0"/>
+        </a:xfrm>
+      </p:grpSpPr>
+      <p:sp>
+        <p:nvSpPr>
+          <p:cNvPr id="2" name="标题 1">
+            <a:extLst>
+              <a:ext uri="{FF2B5EF4-FFF2-40B4-BE49-F238E27FC236}">
+                <a16:creationId xmlns:a16="http://schemas.microsoft.com/office/drawing/2014/main" id="{5F5A8AC0-929E-4F0A-975E-183DBA3C73EF}"/>
+              </a:ext>
+            </a:extLst>
+          </p:cNvPr>
+          <p:cNvSpPr>
+            <a:spLocks noGrp="1"/>
+          </p:cNvSpPr>
+          <p:nvPr>
+            <p:ph type="title"/>
+          </p:nvPr>
+        </p:nvSpPr>
+        <p:spPr/>
+        <p:txBody>
+          <a:bodyPr/>
+          <a:lstStyle/>
+          <a:p>
+            <a:r>
+              <a:rPr lang="en-US" altLang="zh-CN" dirty="0"/>
+              <a:t>Internet</a:t>
+            </a:r>
+            <a:endParaRPr lang="zh-CN" altLang="en-US" dirty="0"/>
+          </a:p>
+        </p:txBody>
+      </p:sp>
+      <p:sp>
+        <p:nvSpPr>
+          <p:cNvPr id="3" name="内容占位符 2">
+            <a:extLst>
+              <a:ext uri="{FF2B5EF4-FFF2-40B4-BE49-F238E27FC236}">
+                <a16:creationId xmlns:a16="http://schemas.microsoft.com/office/drawing/2014/main" id="{16A45CAF-AAE2-4E8C-884B-E57C926F7E00}"/>
+              </a:ext>
+            </a:extLst>
+          </p:cNvPr>
+          <p:cNvSpPr>
+            <a:spLocks noGrp="1"/>
+          </p:cNvSpPr>
+          <p:nvPr>
+            <p:ph idx="1"/>
+          </p:nvPr>
+        </p:nvSpPr>
+        <p:spPr/>
+        <p:txBody>
+          <a:bodyPr/>
+          <a:lstStyle/>
+          <a:p>
+            <a:r>
+              <a:rPr lang="en-US" altLang="zh-CN" dirty="0"/>
+              <a:t>End System / Host: device connects to the Internet.</a:t>
+            </a:r>
+          </a:p>
+          <a:p>
+            <a:r>
+              <a:rPr lang="en-US" altLang="zh-CN" dirty="0"/>
+              <a:t>Communication Link &amp; Packet Switch: connect hosts.</a:t>
+            </a:r>
+          </a:p>
+          <a:p>
+            <a:r>
+              <a:rPr lang="en-US" altLang="zh-CN" dirty="0"/>
+              <a:t>Packet: Network traffic segmentation.</a:t>
+            </a:r>
+          </a:p>
+          <a:p>
+            <a:r>
+              <a:rPr lang="en-US" altLang="zh-CN" dirty="0"/>
+              <a:t>Internet Standard: IETF-RFC.</a:t>
+            </a:r>
+          </a:p>
+          <a:p>
+            <a:r>
+              <a:rPr lang="en-US" altLang="zh-CN" dirty="0"/>
+              <a:t>API: Application Programming Interface.</a:t>
+            </a:r>
+          </a:p>
+          <a:p>
+            <a:endParaRPr lang="zh-CN" altLang="en-US" dirty="0"/>
+          </a:p>
+        </p:txBody>
+      </p:sp>
+      <p:pic>
+        <p:nvPicPr>
+          <p:cNvPr id="7" name="图片 6">
+            <a:extLst>
+              <a:ext uri="{FF2B5EF4-FFF2-40B4-BE49-F238E27FC236}">
+                <a16:creationId xmlns:a16="http://schemas.microsoft.com/office/drawing/2014/main" id="{0EF93CE0-A9B5-4881-A770-6ED5C23FB972}"/>
+              </a:ext>
+            </a:extLst>
+          </p:cNvPr>
+          <p:cNvPicPr>
+            <a:picLocks noChangeAspect="1"/>
+          </p:cNvPicPr>
+          <p:nvPr/>
+        </p:nvPicPr>
+        <p:blipFill>
+          <a:blip r:embed="rId2"/>
+          <a:stretch>
+            <a:fillRect/>
+          </a:stretch>
+        </p:blipFill>
+        <p:spPr>
+          <a:xfrm>
+            <a:off x="838200" y="4492555"/>
+            <a:ext cx="3548168" cy="2365445"/>
+          </a:xfrm>
+          <a:prstGeom prst="rect">
+            <a:avLst/>
+          </a:prstGeom>
+        </p:spPr>
+      </p:pic>
+    </p:spTree>
+    <p:extLst>
+      <p:ext uri="{BB962C8B-B14F-4D97-AF65-F5344CB8AC3E}">
+        <p14:creationId xmlns:p14="http://schemas.microsoft.com/office/powerpoint/2010/main" val="3611049952"/>
+      </p:ext>
+    </p:extLst>
+  </p:cSld>
+  <p:clrMapOvr>
+    <a:masterClrMapping/>
+  </p:clrMapOvr>
+</p:sld>
+</file>
+
+<file path=ppt/slides/slide4.xml><?xml version="1.0" encoding="utf-8"?>
+<p:sld xmlns:a="http://schemas.openxmlformats.org/drawingml/2006/main" xmlns:r="http://schemas.openxmlformats.org/officeDocument/2006/relationships" xmlns:p="http://schemas.openxmlformats.org/presentationml/2006/main">
+  <p:cSld>
+    <p:spTree>
+      <p:nvGrpSpPr>
+        <p:cNvPr id="1" name=""/>
+        <p:cNvGrpSpPr/>
+        <p:nvPr/>
+      </p:nvGrpSpPr>
+      <p:grpSpPr>
+        <a:xfrm>
+          <a:off x="0" y="0"/>
+          <a:ext cx="0" cy="0"/>
+          <a:chOff x="0" y="0"/>
+          <a:chExt cx="0" cy="0"/>
+        </a:xfrm>
+      </p:grpSpPr>
+      <p:sp>
+        <p:nvSpPr>
+          <p:cNvPr id="2" name="标题 1">
+            <a:extLst>
+              <a:ext uri="{FF2B5EF4-FFF2-40B4-BE49-F238E27FC236}">
+                <a16:creationId xmlns:a16="http://schemas.microsoft.com/office/drawing/2014/main" id="{4286C788-2154-4C8C-B42E-CC59F460AE07}"/>
+              </a:ext>
+            </a:extLst>
+          </p:cNvPr>
+          <p:cNvSpPr>
+            <a:spLocks noGrp="1"/>
+          </p:cNvSpPr>
+          <p:nvPr>
+            <p:ph type="title"/>
+          </p:nvPr>
+        </p:nvSpPr>
+        <p:spPr/>
+        <p:txBody>
+          <a:bodyPr/>
+          <a:lstStyle/>
+          <a:p>
+            <a:r>
+              <a:rPr lang="en-US" altLang="zh-CN" dirty="0"/>
+              <a:t>Network Core</a:t>
+            </a:r>
+            <a:endParaRPr lang="zh-CN" altLang="en-US" dirty="0"/>
+          </a:p>
+        </p:txBody>
+      </p:sp>
+      <p:sp>
+        <p:nvSpPr>
+          <p:cNvPr id="3" name="内容占位符 2">
+            <a:extLst>
+              <a:ext uri="{FF2B5EF4-FFF2-40B4-BE49-F238E27FC236}">
+                <a16:creationId xmlns:a16="http://schemas.microsoft.com/office/drawing/2014/main" id="{0081ED3F-353D-4358-8226-CB1FA9582C6A}"/>
+              </a:ext>
+            </a:extLst>
+          </p:cNvPr>
+          <p:cNvSpPr>
+            <a:spLocks noGrp="1"/>
+          </p:cNvSpPr>
+          <p:nvPr>
+            <p:ph idx="1"/>
+          </p:nvPr>
+        </p:nvSpPr>
+        <p:spPr/>
+        <p:txBody>
+          <a:bodyPr/>
+          <a:lstStyle/>
+          <a:p>
+            <a:r>
+              <a:rPr lang="en-US" altLang="zh-CN" dirty="0"/>
+              <a:t>Circuit switch &amp; Packet switch.</a:t>
+            </a:r>
+          </a:p>
+          <a:p>
+            <a:r>
+              <a:rPr lang="en-US" altLang="zh-CN" dirty="0"/>
+              <a:t>Frequency-Division Multiplexing FDM</a:t>
+            </a:r>
+          </a:p>
+          <a:p>
+            <a:r>
+              <a:rPr lang="en-US" altLang="zh-CN" dirty="0"/>
+              <a:t>Statistical Multiplexing</a:t>
+            </a:r>
+          </a:p>
+          <a:p>
+            <a:endParaRPr lang="zh-CN" altLang="en-US" dirty="0"/>
+          </a:p>
+        </p:txBody>
+      </p:sp>
+      <p:pic>
+        <p:nvPicPr>
+          <p:cNvPr id="5" name="图片 4">
+            <a:extLst>
+              <a:ext uri="{FF2B5EF4-FFF2-40B4-BE49-F238E27FC236}">
+                <a16:creationId xmlns:a16="http://schemas.microsoft.com/office/drawing/2014/main" id="{74D333E9-2065-4954-AACF-BDA3FF79AC7B}"/>
+              </a:ext>
+            </a:extLst>
+          </p:cNvPr>
+          <p:cNvPicPr>
+            <a:picLocks noChangeAspect="1"/>
+          </p:cNvPicPr>
+          <p:nvPr/>
+        </p:nvPicPr>
+        <p:blipFill>
+          <a:blip r:embed="rId2"/>
+          <a:stretch>
+            <a:fillRect/>
+          </a:stretch>
+        </p:blipFill>
+        <p:spPr>
+          <a:xfrm>
+            <a:off x="838200" y="3429000"/>
+            <a:ext cx="3190476" cy="2514286"/>
+          </a:xfrm>
+          <a:prstGeom prst="rect">
+            <a:avLst/>
+          </a:prstGeom>
+        </p:spPr>
+      </p:pic>
+      <p:pic>
+        <p:nvPicPr>
+          <p:cNvPr id="7" name="图片 6">
+            <a:extLst>
+              <a:ext uri="{FF2B5EF4-FFF2-40B4-BE49-F238E27FC236}">
+                <a16:creationId xmlns:a16="http://schemas.microsoft.com/office/drawing/2014/main" id="{0CB50889-C130-4573-B2F7-3A4BEB6F5F89}"/>
+              </a:ext>
+            </a:extLst>
+          </p:cNvPr>
+          <p:cNvPicPr>
+            <a:picLocks noChangeAspect="1"/>
+          </p:cNvPicPr>
+          <p:nvPr/>
+        </p:nvPicPr>
+        <p:blipFill>
+          <a:blip r:embed="rId3"/>
+          <a:stretch>
+            <a:fillRect/>
+          </a:stretch>
+        </p:blipFill>
+        <p:spPr>
+          <a:xfrm>
+            <a:off x="4505524" y="3700428"/>
+            <a:ext cx="3180952" cy="1971429"/>
+          </a:xfrm>
+          <a:prstGeom prst="rect">
+            <a:avLst/>
+          </a:prstGeom>
+        </p:spPr>
+      </p:pic>
+    </p:spTree>
+    <p:extLst>
+      <p:ext uri="{BB962C8B-B14F-4D97-AF65-F5344CB8AC3E}">
+        <p14:creationId xmlns:p14="http://schemas.microsoft.com/office/powerpoint/2010/main" val="2072069631"/>
+      </p:ext>
+    </p:extLst>
+  </p:cSld>
+  <p:clrMapOvr>
+    <a:masterClrMapping/>
+  </p:clrMapOvr>
+</p:sld>
+</file>
+
+<file path=ppt/slides/slide5.xml><?xml version="1.0" encoding="utf-8"?>
+<p:sld xmlns:a="http://schemas.openxmlformats.org/drawingml/2006/main" xmlns:r="http://schemas.openxmlformats.org/officeDocument/2006/relationships" xmlns:p="http://schemas.openxmlformats.org/presentationml/2006/main">
+  <p:cSld>
+    <p:spTree>
+      <p:nvGrpSpPr>
+        <p:cNvPr id="1" name=""/>
+        <p:cNvGrpSpPr/>
+        <p:nvPr/>
+      </p:nvGrpSpPr>
+      <p:grpSpPr>
+        <a:xfrm>
+          <a:off x="0" y="0"/>
+          <a:ext cx="0" cy="0"/>
+          <a:chOff x="0" y="0"/>
+          <a:chExt cx="0" cy="0"/>
+        </a:xfrm>
+      </p:grpSpPr>
+      <p:sp>
+        <p:nvSpPr>
+          <p:cNvPr id="2" name="标题 1">
+            <a:extLst>
+              <a:ext uri="{FF2B5EF4-FFF2-40B4-BE49-F238E27FC236}">
+                <a16:creationId xmlns:a16="http://schemas.microsoft.com/office/drawing/2014/main" id="{282B6738-FC08-4137-BB45-65D7022B977F}"/>
+              </a:ext>
+            </a:extLst>
+          </p:cNvPr>
+          <p:cNvSpPr>
+            <a:spLocks noGrp="1"/>
+          </p:cNvSpPr>
+          <p:nvPr>
+            <p:ph type="title"/>
+          </p:nvPr>
+        </p:nvSpPr>
+        <p:spPr/>
+        <p:txBody>
+          <a:bodyPr/>
+          <a:lstStyle/>
+          <a:p>
+            <a:r>
+              <a:rPr lang="en-US" altLang="zh-CN" dirty="0"/>
+              <a:t>Delay</a:t>
+            </a:r>
+            <a:endParaRPr lang="zh-CN" altLang="en-US" dirty="0"/>
+          </a:p>
+        </p:txBody>
+      </p:sp>
+      <p:sp>
+        <p:nvSpPr>
+          <p:cNvPr id="3" name="内容占位符 2">
+            <a:extLst>
+              <a:ext uri="{FF2B5EF4-FFF2-40B4-BE49-F238E27FC236}">
+                <a16:creationId xmlns:a16="http://schemas.microsoft.com/office/drawing/2014/main" id="{5E89992F-CAE5-40E7-B947-787301C01B57}"/>
+              </a:ext>
+            </a:extLst>
+          </p:cNvPr>
+          <p:cNvSpPr>
+            <a:spLocks noGrp="1"/>
+          </p:cNvSpPr>
+          <p:nvPr>
+            <p:ph idx="1"/>
+          </p:nvPr>
+        </p:nvSpPr>
+        <p:spPr/>
+        <p:txBody>
+          <a:bodyPr/>
+          <a:lstStyle/>
+          <a:p>
+            <a:r>
+              <a:rPr lang="en-US" altLang="zh-CN" dirty="0"/>
+              <a:t>Delay = nodal processing delay + queuing delay + transmission delay + propagation delay</a:t>
+            </a:r>
+          </a:p>
+          <a:p>
+            <a:endParaRPr lang="en-US" altLang="zh-CN" dirty="0"/>
+          </a:p>
+          <a:p>
+            <a:endParaRPr lang="en-US" altLang="zh-CN" dirty="0"/>
+          </a:p>
+          <a:p>
+            <a:endParaRPr lang="en-US" altLang="zh-CN" dirty="0"/>
+          </a:p>
+          <a:p>
+            <a:r>
+              <a:rPr lang="en-US" altLang="zh-CN" dirty="0"/>
+              <a:t>Packet loss: packet drop.</a:t>
+            </a:r>
+          </a:p>
+          <a:p>
+            <a:endParaRPr lang="zh-CN" altLang="en-US" dirty="0"/>
+          </a:p>
+        </p:txBody>
+      </p:sp>
+      <p:pic>
+        <p:nvPicPr>
+          <p:cNvPr id="5" name="图片 4">
+            <a:extLst>
+              <a:ext uri="{FF2B5EF4-FFF2-40B4-BE49-F238E27FC236}">
+                <a16:creationId xmlns:a16="http://schemas.microsoft.com/office/drawing/2014/main" id="{E67371AC-9702-4226-B400-E4C9E3C704CE}"/>
+              </a:ext>
+            </a:extLst>
+          </p:cNvPr>
+          <p:cNvPicPr>
+            <a:picLocks noChangeAspect="1"/>
+          </p:cNvPicPr>
+          <p:nvPr/>
+        </p:nvPicPr>
+        <p:blipFill>
+          <a:blip r:embed="rId2"/>
+          <a:stretch>
+            <a:fillRect/>
+          </a:stretch>
+        </p:blipFill>
+        <p:spPr>
+          <a:xfrm>
+            <a:off x="838200" y="2759780"/>
+            <a:ext cx="3742857" cy="1514286"/>
+          </a:xfrm>
+          <a:prstGeom prst="rect">
+            <a:avLst/>
+          </a:prstGeom>
+        </p:spPr>
+      </p:pic>
+      <p:pic>
+        <p:nvPicPr>
+          <p:cNvPr id="7" name="图片 6">
+            <a:extLst>
+              <a:ext uri="{FF2B5EF4-FFF2-40B4-BE49-F238E27FC236}">
+                <a16:creationId xmlns:a16="http://schemas.microsoft.com/office/drawing/2014/main" id="{00AD5B3E-0C30-46A3-8736-9D7006945C06}"/>
+              </a:ext>
+            </a:extLst>
+          </p:cNvPr>
+          <p:cNvPicPr>
+            <a:picLocks noChangeAspect="1"/>
+          </p:cNvPicPr>
+          <p:nvPr/>
+        </p:nvPicPr>
+        <p:blipFill>
+          <a:blip r:embed="rId3"/>
+          <a:stretch>
+            <a:fillRect/>
+          </a:stretch>
+        </p:blipFill>
+        <p:spPr>
+          <a:xfrm>
+            <a:off x="838200" y="4896095"/>
+            <a:ext cx="2190476" cy="1961905"/>
+          </a:xfrm>
+          <a:prstGeom prst="rect">
+            <a:avLst/>
+          </a:prstGeom>
+        </p:spPr>
+      </p:pic>
+    </p:spTree>
+    <p:extLst>
+      <p:ext uri="{BB962C8B-B14F-4D97-AF65-F5344CB8AC3E}">
+        <p14:creationId xmlns:p14="http://schemas.microsoft.com/office/powerpoint/2010/main" val="1585736308"/>
+      </p:ext>
+    </p:extLst>
+  </p:cSld>
+  <p:clrMapOvr>
+    <a:masterClrMapping/>
+  </p:clrMapOvr>
+</p:sld>
+</file>
+
+<file path=ppt/slides/slide6.xml><?xml version="1.0" encoding="utf-8"?>
+<p:sld xmlns:a="http://schemas.openxmlformats.org/drawingml/2006/main" xmlns:r="http://schemas.openxmlformats.org/officeDocument/2006/relationships" xmlns:p="http://schemas.openxmlformats.org/presentationml/2006/main">
+  <p:cSld>
+    <p:spTree>
+      <p:nvGrpSpPr>
+        <p:cNvPr id="1" name=""/>
+        <p:cNvGrpSpPr/>
+        <p:nvPr/>
+      </p:nvGrpSpPr>
+      <p:grpSpPr>
+        <a:xfrm>
+          <a:off x="0" y="0"/>
+          <a:ext cx="0" cy="0"/>
+          <a:chOff x="0" y="0"/>
+          <a:chExt cx="0" cy="0"/>
+        </a:xfrm>
+      </p:grpSpPr>
+      <p:sp>
+        <p:nvSpPr>
+          <p:cNvPr id="2" name="标题 1">
+            <a:extLst>
+              <a:ext uri="{FF2B5EF4-FFF2-40B4-BE49-F238E27FC236}">
+                <a16:creationId xmlns:a16="http://schemas.microsoft.com/office/drawing/2014/main" id="{7DFBF5EA-91D5-4973-877D-61A07417D586}"/>
+              </a:ext>
+            </a:extLst>
+          </p:cNvPr>
+          <p:cNvSpPr>
+            <a:spLocks noGrp="1"/>
+          </p:cNvSpPr>
+          <p:nvPr>
+            <p:ph type="title"/>
+          </p:nvPr>
+        </p:nvSpPr>
+        <p:spPr/>
+        <p:txBody>
+          <a:bodyPr/>
+          <a:lstStyle/>
+          <a:p>
+            <a:r>
+              <a:rPr lang="en-US" altLang="zh-CN" dirty="0"/>
+              <a:t>Layer Model</a:t>
+            </a:r>
+            <a:endParaRPr lang="zh-CN" altLang="en-US" dirty="0"/>
+          </a:p>
+        </p:txBody>
+      </p:sp>
+      <p:sp>
+        <p:nvSpPr>
+          <p:cNvPr id="3" name="内容占位符 2">
+            <a:extLst>
+              <a:ext uri="{FF2B5EF4-FFF2-40B4-BE49-F238E27FC236}">
+                <a16:creationId xmlns:a16="http://schemas.microsoft.com/office/drawing/2014/main" id="{865D2785-C45B-41E3-9B94-3155C8EE4C60}"/>
+              </a:ext>
+            </a:extLst>
+          </p:cNvPr>
+          <p:cNvSpPr>
+            <a:spLocks noGrp="1"/>
+          </p:cNvSpPr>
+          <p:nvPr>
+            <p:ph idx="1"/>
+          </p:nvPr>
+        </p:nvSpPr>
+        <p:spPr/>
+        <p:txBody>
+          <a:bodyPr/>
+          <a:lstStyle/>
+          <a:p>
+            <a:r>
+              <a:rPr lang="en-US" altLang="zh-CN" dirty="0"/>
+              <a:t>Protocol stack: network layers. ISO-OSI</a:t>
+            </a:r>
+          </a:p>
+          <a:p>
+            <a:endParaRPr lang="en-US" altLang="zh-CN" dirty="0"/>
+          </a:p>
+          <a:p>
+            <a:endParaRPr lang="en-US" altLang="zh-CN" dirty="0"/>
+          </a:p>
+          <a:p>
+            <a:endParaRPr lang="en-US" altLang="zh-CN" dirty="0"/>
+          </a:p>
+          <a:p>
+            <a:endParaRPr lang="en-US" altLang="zh-CN" dirty="0"/>
+          </a:p>
+          <a:p>
+            <a:r>
+              <a:rPr lang="en-US" altLang="zh-CN" dirty="0"/>
+              <a:t>Application Layer: HTTP, SMTP</a:t>
+            </a:r>
+          </a:p>
+          <a:p>
+            <a:r>
+              <a:rPr lang="en-US" altLang="zh-CN" dirty="0"/>
+              <a:t>Transmission Layer: TCP, UDP</a:t>
+            </a:r>
+          </a:p>
+          <a:p>
+            <a:r>
+              <a:rPr lang="en-US" altLang="zh-CN" dirty="0"/>
+              <a:t>Network Layer: IP</a:t>
+            </a:r>
+            <a:endParaRPr lang="zh-CN" altLang="en-US" dirty="0"/>
+          </a:p>
+        </p:txBody>
+      </p:sp>
+      <p:pic>
+        <p:nvPicPr>
+          <p:cNvPr id="5" name="图片 4">
+            <a:extLst>
+              <a:ext uri="{FF2B5EF4-FFF2-40B4-BE49-F238E27FC236}">
+                <a16:creationId xmlns:a16="http://schemas.microsoft.com/office/drawing/2014/main" id="{20B8B0AC-66E3-44E7-9E06-EBEAF573AC27}"/>
+              </a:ext>
+            </a:extLst>
+          </p:cNvPr>
+          <p:cNvPicPr>
+            <a:picLocks noChangeAspect="1"/>
+          </p:cNvPicPr>
+          <p:nvPr/>
+        </p:nvPicPr>
+        <p:blipFill>
+          <a:blip r:embed="rId2"/>
+          <a:stretch>
+            <a:fillRect/>
+          </a:stretch>
+        </p:blipFill>
+        <p:spPr>
+          <a:xfrm>
+            <a:off x="838200" y="2304071"/>
+            <a:ext cx="2990476" cy="1933333"/>
+          </a:xfrm>
+          <a:prstGeom prst="rect">
+            <a:avLst/>
+          </a:prstGeom>
+        </p:spPr>
+      </p:pic>
+    </p:spTree>
+    <p:extLst>
+      <p:ext uri="{BB962C8B-B14F-4D97-AF65-F5344CB8AC3E}">
+        <p14:creationId xmlns:p14="http://schemas.microsoft.com/office/powerpoint/2010/main" val="2167653301"/>
+      </p:ext>
+    </p:extLst>
+  </p:cSld>
+  <p:clrMapOvr>
+    <a:masterClrMapping/>
+  </p:clrMapOvr>
+</p:sld>
+</file>
+
+<file path=ppt/slides/slide7.xml><?xml version="1.0" encoding="utf-8"?>
+<p:sld xmlns:a="http://schemas.openxmlformats.org/drawingml/2006/main" xmlns:r="http://schemas.openxmlformats.org/officeDocument/2006/relationships" xmlns:p="http://schemas.openxmlformats.org/presentationml/2006/main">
+  <p:cSld>
+    <p:spTree>
+      <p:nvGrpSpPr>
+        <p:cNvPr id="1" name=""/>
+        <p:cNvGrpSpPr/>
+        <p:nvPr/>
+      </p:nvGrpSpPr>
+      <p:grpSpPr>
+        <a:xfrm>
+          <a:off x="0" y="0"/>
+          <a:ext cx="0" cy="0"/>
+          <a:chOff x="0" y="0"/>
+          <a:chExt cx="0" cy="0"/>
+        </a:xfrm>
+      </p:grpSpPr>
+      <p:sp>
+        <p:nvSpPr>
+          <p:cNvPr id="2" name="标题 1">
+            <a:extLst>
+              <a:ext uri="{FF2B5EF4-FFF2-40B4-BE49-F238E27FC236}">
+                <a16:creationId xmlns:a16="http://schemas.microsoft.com/office/drawing/2014/main" id="{912BA4F4-E07F-4591-B216-DFFE751EA430}"/>
+              </a:ext>
+            </a:extLst>
+          </p:cNvPr>
+          <p:cNvSpPr>
+            <a:spLocks noGrp="1"/>
+          </p:cNvSpPr>
+          <p:nvPr>
+            <p:ph type="title"/>
+          </p:nvPr>
+        </p:nvSpPr>
+        <p:spPr/>
+        <p:txBody>
+          <a:bodyPr/>
+          <a:lstStyle/>
+          <a:p>
+            <a:r>
+              <a:rPr lang="en-US" altLang="zh-CN" dirty="0"/>
+              <a:t>Layer Model</a:t>
+            </a:r>
+            <a:endParaRPr lang="zh-CN" altLang="en-US" dirty="0"/>
+          </a:p>
+        </p:txBody>
+      </p:sp>
+      <p:pic>
+        <p:nvPicPr>
+          <p:cNvPr id="5" name="内容占位符 4">
+            <a:extLst>
+              <a:ext uri="{FF2B5EF4-FFF2-40B4-BE49-F238E27FC236}">
+                <a16:creationId xmlns:a16="http://schemas.microsoft.com/office/drawing/2014/main" id="{3BFC29E8-DE91-45BA-9783-C6AF24503F71}"/>
+              </a:ext>
+            </a:extLst>
+          </p:cNvPr>
+          <p:cNvPicPr>
+            <a:picLocks noGrp="1" noChangeAspect="1"/>
+          </p:cNvPicPr>
+          <p:nvPr>
+            <p:ph idx="1"/>
+          </p:nvPr>
+        </p:nvPicPr>
+        <p:blipFill>
+          <a:blip r:embed="rId2"/>
+          <a:stretch>
+            <a:fillRect/>
+          </a:stretch>
+        </p:blipFill>
+        <p:spPr>
+          <a:xfrm>
+            <a:off x="2753143" y="1982246"/>
+            <a:ext cx="6685714" cy="4038095"/>
+          </a:xfrm>
+        </p:spPr>
+      </p:pic>
+    </p:spTree>
+    <p:extLst>
+      <p:ext uri="{BB962C8B-B14F-4D97-AF65-F5344CB8AC3E}">
+        <p14:creationId xmlns:p14="http://schemas.microsoft.com/office/powerpoint/2010/main" val="1328117212"/>
+      </p:ext>
+    </p:extLst>
+  </p:cSld>
+  <p:clrMapOvr>
+    <a:masterClrMapping/>
+  </p:clrMapOvr>
+</p:sld>
+</file>
+
+<file path=ppt/slides/slide8.xml><?xml version="1.0" encoding="utf-8"?>
+<p:sld xmlns:a="http://schemas.openxmlformats.org/drawingml/2006/main" xmlns:r="http://schemas.openxmlformats.org/officeDocument/2006/relationships" xmlns:p="http://schemas.openxmlformats.org/presentationml/2006/main">
+  <p:cSld>
+    <p:spTree>
+      <p:nvGrpSpPr>
+        <p:cNvPr id="1" name=""/>
+        <p:cNvGrpSpPr/>
+        <p:nvPr/>
+      </p:nvGrpSpPr>
+      <p:grpSpPr>
+        <a:xfrm>
+          <a:off x="0" y="0"/>
+          <a:ext cx="0" cy="0"/>
+          <a:chOff x="0" y="0"/>
+          <a:chExt cx="0" cy="0"/>
+        </a:xfrm>
+      </p:grpSpPr>
+      <p:sp>
+        <p:nvSpPr>
+          <p:cNvPr id="2" name="标题 1">
+            <a:extLst>
+              <a:ext uri="{FF2B5EF4-FFF2-40B4-BE49-F238E27FC236}">
+                <a16:creationId xmlns:a16="http://schemas.microsoft.com/office/drawing/2014/main" id="{2325F7DC-A9FD-4B46-BBB3-0ECB60882BBD}"/>
+              </a:ext>
+            </a:extLst>
+          </p:cNvPr>
+          <p:cNvSpPr>
+            <a:spLocks noGrp="1"/>
+          </p:cNvSpPr>
+          <p:nvPr>
+            <p:ph type="title"/>
+          </p:nvPr>
+        </p:nvSpPr>
+        <p:spPr/>
+        <p:txBody>
+          <a:bodyPr/>
+          <a:lstStyle/>
+          <a:p>
+            <a:r>
+              <a:rPr lang="en-US" altLang="zh-CN" dirty="0"/>
+              <a:t>Application Layer: HTTP &amp; DNS</a:t>
+            </a:r>
+            <a:endParaRPr lang="zh-CN" altLang="en-US" dirty="0"/>
+          </a:p>
+        </p:txBody>
+      </p:sp>
+      <p:sp>
+        <p:nvSpPr>
+          <p:cNvPr id="3" name="文本占位符 2">
+            <a:extLst>
+              <a:ext uri="{FF2B5EF4-FFF2-40B4-BE49-F238E27FC236}">
+                <a16:creationId xmlns:a16="http://schemas.microsoft.com/office/drawing/2014/main" id="{DCF241CB-9C39-4584-B9EF-1BA3CBD74BD2}"/>
+              </a:ext>
+            </a:extLst>
+          </p:cNvPr>
+          <p:cNvSpPr>
+            <a:spLocks noGrp="1"/>
+          </p:cNvSpPr>
+          <p:nvPr>
+            <p:ph type="body" idx="1"/>
+          </p:nvPr>
+        </p:nvSpPr>
+        <p:spPr/>
+        <p:txBody>
+          <a:bodyPr/>
+          <a:lstStyle/>
+          <a:p>
+            <a:r>
+              <a:rPr lang="en-US" altLang="zh-CN" dirty="0"/>
+              <a:t>Chapter 2</a:t>
+            </a:r>
+            <a:endParaRPr lang="zh-CN" altLang="en-US" dirty="0"/>
+          </a:p>
+        </p:txBody>
+      </p:sp>
+    </p:spTree>
+    <p:extLst>
+      <p:ext uri="{BB962C8B-B14F-4D97-AF65-F5344CB8AC3E}">
+        <p14:creationId xmlns:p14="http://schemas.microsoft.com/office/powerpoint/2010/main" val="2965324575"/>
+      </p:ext>
+    </p:extLst>
+  </p:cSld>
+  <p:clrMapOvr>
+    <a:masterClrMapping/>
+  </p:clrMapOvr>
+</p:sld>
+</file>
+
+<file path=ppt/slides/slide9.xml><?xml version="1.0" encoding="utf-8"?>
+<p:sld xmlns:a="http://schemas.openxmlformats.org/drawingml/2006/main" xmlns:r="http://schemas.openxmlformats.org/officeDocument/2006/relationships" xmlns:p="http://schemas.openxmlformats.org/presentationml/2006/main">
+  <p:cSld>
+    <p:spTree>
+      <p:nvGrpSpPr>
+        <p:cNvPr id="1" name=""/>
+        <p:cNvGrpSpPr/>
+        <p:nvPr/>
+      </p:nvGrpSpPr>
+      <p:grpSpPr>
+        <a:xfrm>
+          <a:off x="0" y="0"/>
+          <a:ext cx="0" cy="0"/>
+          <a:chOff x="0" y="0"/>
+          <a:chExt cx="0" cy="0"/>
+        </a:xfrm>
+      </p:grpSpPr>
+      <p:sp>
+        <p:nvSpPr>
+          <p:cNvPr id="2" name="标题 1">
+            <a:extLst>
+              <a:ext uri="{FF2B5EF4-FFF2-40B4-BE49-F238E27FC236}">
+                <a16:creationId xmlns:a16="http://schemas.microsoft.com/office/drawing/2014/main" id="{14641147-8213-4229-9EEA-9D4683D4CBEC}"/>
+              </a:ext>
+            </a:extLst>
+          </p:cNvPr>
+          <p:cNvSpPr>
+            <a:spLocks noGrp="1"/>
+          </p:cNvSpPr>
+          <p:nvPr>
+            <p:ph type="title"/>
+          </p:nvPr>
+        </p:nvSpPr>
+        <p:spPr/>
+        <p:txBody>
+          <a:bodyPr/>
+          <a:lstStyle/>
+          <a:p>
+            <a:r>
+              <a:rPr lang="en-US" altLang="zh-CN" dirty="0"/>
+              <a:t>Application – Client and Server</a:t>
+            </a:r>
+            <a:endParaRPr lang="zh-CN" altLang="en-US" dirty="0"/>
+          </a:p>
+        </p:txBody>
+      </p:sp>
+      <p:pic>
+        <p:nvPicPr>
+          <p:cNvPr id="5" name="内容占位符 4">
+            <a:extLst>
+              <a:ext uri="{FF2B5EF4-FFF2-40B4-BE49-F238E27FC236}">
+                <a16:creationId xmlns:a16="http://schemas.microsoft.com/office/drawing/2014/main" id="{2438E59B-8510-4CE2-9190-FADC6578BC21}"/>
+              </a:ext>
+            </a:extLst>
+          </p:cNvPr>
+          <p:cNvPicPr>
+            <a:picLocks noGrp="1" noChangeAspect="1"/>
+          </p:cNvPicPr>
+          <p:nvPr>
+            <p:ph idx="1"/>
+          </p:nvPr>
+        </p:nvPicPr>
+        <p:blipFill>
+          <a:blip r:embed="rId2"/>
+          <a:stretch>
+            <a:fillRect/>
+          </a:stretch>
+        </p:blipFill>
+        <p:spPr>
+          <a:xfrm>
+            <a:off x="2676952" y="2820341"/>
+            <a:ext cx="6838095" cy="2361905"/>
+          </a:xfrm>
+        </p:spPr>
+      </p:pic>
+    </p:spTree>
+    <p:extLst>
+      <p:ext uri="{BB962C8B-B14F-4D97-AF65-F5344CB8AC3E}">
+        <p14:creationId xmlns:p14="http://schemas.microsoft.com/office/powerpoint/2010/main" val="459034120"/>
       </p:ext>
     </p:extLst>
   </p:cSld>

--- a/docs/assets/Computer Network.pptx
+++ b/docs/assets/Computer Network.pptx
@@ -34,6 +34,9 @@
     <p:sldId id="282" r:id="rId28"/>
     <p:sldId id="284" r:id="rId29"/>
     <p:sldId id="283" r:id="rId30"/>
+    <p:sldId id="285" r:id="rId31"/>
+    <p:sldId id="286" r:id="rId32"/>
+    <p:sldId id="287" r:id="rId33"/>
   </p:sldIdLst>
   <p:sldSz cx="12192000" cy="6858000"/>
   <p:notesSz cx="6858000" cy="9144000"/>
@@ -287,7 +290,7 @@
           <a:p>
             <a:fld id="{2E14A0E4-0193-4866-AB10-282BE2216922}" type="datetimeFigureOut">
               <a:rPr lang="zh-CN" altLang="en-US" smtClean="0"/>
-              <a:t>2021/8/5</a:t>
+              <a:t>2021/8/7</a:t>
             </a:fld>
             <a:endParaRPr lang="zh-CN" altLang="en-US"/>
           </a:p>
@@ -485,7 +488,7 @@
           <a:p>
             <a:fld id="{2E14A0E4-0193-4866-AB10-282BE2216922}" type="datetimeFigureOut">
               <a:rPr lang="zh-CN" altLang="en-US" smtClean="0"/>
-              <a:t>2021/8/5</a:t>
+              <a:t>2021/8/7</a:t>
             </a:fld>
             <a:endParaRPr lang="zh-CN" altLang="en-US"/>
           </a:p>
@@ -693,7 +696,7 @@
           <a:p>
             <a:fld id="{2E14A0E4-0193-4866-AB10-282BE2216922}" type="datetimeFigureOut">
               <a:rPr lang="zh-CN" altLang="en-US" smtClean="0"/>
-              <a:t>2021/8/5</a:t>
+              <a:t>2021/8/7</a:t>
             </a:fld>
             <a:endParaRPr lang="zh-CN" altLang="en-US"/>
           </a:p>
@@ -891,7 +894,7 @@
           <a:p>
             <a:fld id="{2E14A0E4-0193-4866-AB10-282BE2216922}" type="datetimeFigureOut">
               <a:rPr lang="zh-CN" altLang="en-US" smtClean="0"/>
-              <a:t>2021/8/5</a:t>
+              <a:t>2021/8/7</a:t>
             </a:fld>
             <a:endParaRPr lang="zh-CN" altLang="en-US"/>
           </a:p>
@@ -1166,7 +1169,7 @@
           <a:p>
             <a:fld id="{2E14A0E4-0193-4866-AB10-282BE2216922}" type="datetimeFigureOut">
               <a:rPr lang="zh-CN" altLang="en-US" smtClean="0"/>
-              <a:t>2021/8/5</a:t>
+              <a:t>2021/8/7</a:t>
             </a:fld>
             <a:endParaRPr lang="zh-CN" altLang="en-US"/>
           </a:p>
@@ -1431,7 +1434,7 @@
           <a:p>
             <a:fld id="{2E14A0E4-0193-4866-AB10-282BE2216922}" type="datetimeFigureOut">
               <a:rPr lang="zh-CN" altLang="en-US" smtClean="0"/>
-              <a:t>2021/8/5</a:t>
+              <a:t>2021/8/7</a:t>
             </a:fld>
             <a:endParaRPr lang="zh-CN" altLang="en-US"/>
           </a:p>
@@ -1843,7 +1846,7 @@
           <a:p>
             <a:fld id="{2E14A0E4-0193-4866-AB10-282BE2216922}" type="datetimeFigureOut">
               <a:rPr lang="zh-CN" altLang="en-US" smtClean="0"/>
-              <a:t>2021/8/5</a:t>
+              <a:t>2021/8/7</a:t>
             </a:fld>
             <a:endParaRPr lang="zh-CN" altLang="en-US"/>
           </a:p>
@@ -1984,7 +1987,7 @@
           <a:p>
             <a:fld id="{2E14A0E4-0193-4866-AB10-282BE2216922}" type="datetimeFigureOut">
               <a:rPr lang="zh-CN" altLang="en-US" smtClean="0"/>
-              <a:t>2021/8/5</a:t>
+              <a:t>2021/8/7</a:t>
             </a:fld>
             <a:endParaRPr lang="zh-CN" altLang="en-US"/>
           </a:p>
@@ -2097,7 +2100,7 @@
           <a:p>
             <a:fld id="{2E14A0E4-0193-4866-AB10-282BE2216922}" type="datetimeFigureOut">
               <a:rPr lang="zh-CN" altLang="en-US" smtClean="0"/>
-              <a:t>2021/8/5</a:t>
+              <a:t>2021/8/7</a:t>
             </a:fld>
             <a:endParaRPr lang="zh-CN" altLang="en-US"/>
           </a:p>
@@ -2408,7 +2411,7 @@
           <a:p>
             <a:fld id="{2E14A0E4-0193-4866-AB10-282BE2216922}" type="datetimeFigureOut">
               <a:rPr lang="zh-CN" altLang="en-US" smtClean="0"/>
-              <a:t>2021/8/5</a:t>
+              <a:t>2021/8/7</a:t>
             </a:fld>
             <a:endParaRPr lang="zh-CN" altLang="en-US"/>
           </a:p>
@@ -2696,7 +2699,7 @@
           <a:p>
             <a:fld id="{2E14A0E4-0193-4866-AB10-282BE2216922}" type="datetimeFigureOut">
               <a:rPr lang="zh-CN" altLang="en-US" smtClean="0"/>
-              <a:t>2021/8/5</a:t>
+              <a:t>2021/8/7</a:t>
             </a:fld>
             <a:endParaRPr lang="zh-CN" altLang="en-US"/>
           </a:p>
@@ -2937,7 +2940,7 @@
           <a:p>
             <a:fld id="{2E14A0E4-0193-4866-AB10-282BE2216922}" type="datetimeFigureOut">
               <a:rPr lang="zh-CN" altLang="en-US" smtClean="0"/>
-              <a:t>2021/8/5</a:t>
+              <a:t>2021/8/7</a:t>
             </a:fld>
             <a:endParaRPr lang="zh-CN" altLang="en-US"/>
           </a:p>
@@ -5962,7 +5965,11 @@
           <a:bodyPr/>
           <a:lstStyle/>
           <a:p>
-            <a:endParaRPr lang="zh-CN" altLang="en-US"/>
+            <a:r>
+              <a:rPr lang="en-US" altLang="zh-CN" dirty="0"/>
+              <a:t>Link-layer Protocol</a:t>
+            </a:r>
+            <a:endParaRPr lang="zh-CN" altLang="en-US" dirty="0"/>
           </a:p>
         </p:txBody>
       </p:sp>
@@ -5987,7 +5994,49 @@
           <a:bodyPr/>
           <a:lstStyle/>
           <a:p>
-            <a:endParaRPr lang="zh-CN" altLang="en-US"/>
+            <a:r>
+              <a:rPr lang="en-US" altLang="zh-CN" dirty="0"/>
+              <a:t>Framing: package network layer packet to frame.</a:t>
+            </a:r>
+          </a:p>
+          <a:p>
+            <a:r>
+              <a:rPr lang="en-US" altLang="zh-CN" dirty="0"/>
+              <a:t>Link access: Media Access Control, MAC.</a:t>
+            </a:r>
+          </a:p>
+          <a:p>
+            <a:r>
+              <a:rPr lang="en-US" altLang="zh-CN" dirty="0"/>
+              <a:t>Reliable delivery: used in </a:t>
+            </a:r>
+            <a:r>
+              <a:rPr lang="en-US" altLang="zh-CN" dirty="0" err="1"/>
+              <a:t>WiFi</a:t>
+            </a:r>
+            <a:r>
+              <a:rPr lang="en-US" altLang="zh-CN" dirty="0"/>
+              <a:t>.</a:t>
+            </a:r>
+          </a:p>
+          <a:p>
+            <a:r>
+              <a:rPr lang="en-US" altLang="zh-CN" dirty="0"/>
+              <a:t>Flow control: buffer.</a:t>
+            </a:r>
+          </a:p>
+          <a:p>
+            <a:r>
+              <a:rPr lang="en-US" altLang="zh-CN" dirty="0"/>
+              <a:t>Error detection &amp; Error correction.</a:t>
+            </a:r>
+          </a:p>
+          <a:p>
+            <a:r>
+              <a:rPr lang="en-US" altLang="zh-CN" dirty="0"/>
+              <a:t>Half-duplex and full-duplex.</a:t>
+            </a:r>
+            <a:endParaRPr lang="zh-CN" altLang="en-US" dirty="0"/>
           </a:p>
         </p:txBody>
       </p:sp>
@@ -6139,6 +6188,405 @@
     <p:extLst>
       <p:ext uri="{BB962C8B-B14F-4D97-AF65-F5344CB8AC3E}">
         <p14:creationId xmlns:p14="http://schemas.microsoft.com/office/powerpoint/2010/main" val="3611049952"/>
+      </p:ext>
+    </p:extLst>
+  </p:cSld>
+  <p:clrMapOvr>
+    <a:masterClrMapping/>
+  </p:clrMapOvr>
+</p:sld>
+</file>
+
+<file path=ppt/slides/slide30.xml><?xml version="1.0" encoding="utf-8"?>
+<p:sld xmlns:a="http://schemas.openxmlformats.org/drawingml/2006/main" xmlns:r="http://schemas.openxmlformats.org/officeDocument/2006/relationships" xmlns:p="http://schemas.openxmlformats.org/presentationml/2006/main">
+  <p:cSld>
+    <p:spTree>
+      <p:nvGrpSpPr>
+        <p:cNvPr id="1" name=""/>
+        <p:cNvGrpSpPr/>
+        <p:nvPr/>
+      </p:nvGrpSpPr>
+      <p:grpSpPr>
+        <a:xfrm>
+          <a:off x="0" y="0"/>
+          <a:ext cx="0" cy="0"/>
+          <a:chOff x="0" y="0"/>
+          <a:chExt cx="0" cy="0"/>
+        </a:xfrm>
+      </p:grpSpPr>
+      <p:sp>
+        <p:nvSpPr>
+          <p:cNvPr id="2" name="标题 1">
+            <a:extLst>
+              <a:ext uri="{FF2B5EF4-FFF2-40B4-BE49-F238E27FC236}">
+                <a16:creationId xmlns:a16="http://schemas.microsoft.com/office/drawing/2014/main" id="{77997DE3-C3A4-4518-BCA8-14E8E981B44A}"/>
+              </a:ext>
+            </a:extLst>
+          </p:cNvPr>
+          <p:cNvSpPr>
+            <a:spLocks noGrp="1"/>
+          </p:cNvSpPr>
+          <p:nvPr>
+            <p:ph type="title"/>
+          </p:nvPr>
+        </p:nvSpPr>
+        <p:spPr/>
+        <p:txBody>
+          <a:bodyPr/>
+          <a:lstStyle/>
+          <a:p>
+            <a:r>
+              <a:rPr lang="en-US" altLang="zh-CN" dirty="0"/>
+              <a:t>Link-layer</a:t>
+            </a:r>
+            <a:endParaRPr lang="zh-CN" altLang="en-US" dirty="0"/>
+          </a:p>
+        </p:txBody>
+      </p:sp>
+      <p:sp>
+        <p:nvSpPr>
+          <p:cNvPr id="3" name="内容占位符 2">
+            <a:extLst>
+              <a:ext uri="{FF2B5EF4-FFF2-40B4-BE49-F238E27FC236}">
+                <a16:creationId xmlns:a16="http://schemas.microsoft.com/office/drawing/2014/main" id="{6E906C52-FBFA-43FF-B2D8-AE35E0E114C2}"/>
+              </a:ext>
+            </a:extLst>
+          </p:cNvPr>
+          <p:cNvSpPr>
+            <a:spLocks noGrp="1"/>
+          </p:cNvSpPr>
+          <p:nvPr>
+            <p:ph idx="1"/>
+          </p:nvPr>
+        </p:nvSpPr>
+        <p:spPr/>
+        <p:txBody>
+          <a:bodyPr/>
+          <a:lstStyle/>
+          <a:p>
+            <a:r>
+              <a:rPr lang="en-US" altLang="zh-CN" dirty="0"/>
+              <a:t>Main part of link layer is in network adapter.</a:t>
+            </a:r>
+          </a:p>
+          <a:p>
+            <a:endParaRPr lang="zh-CN" altLang="en-US" dirty="0"/>
+          </a:p>
+        </p:txBody>
+      </p:sp>
+      <p:pic>
+        <p:nvPicPr>
+          <p:cNvPr id="5" name="图片 4">
+            <a:extLst>
+              <a:ext uri="{FF2B5EF4-FFF2-40B4-BE49-F238E27FC236}">
+                <a16:creationId xmlns:a16="http://schemas.microsoft.com/office/drawing/2014/main" id="{6222E1D0-A1AA-4DCC-A242-B5A8B262F71F}"/>
+              </a:ext>
+            </a:extLst>
+          </p:cNvPr>
+          <p:cNvPicPr>
+            <a:picLocks noChangeAspect="1"/>
+          </p:cNvPicPr>
+          <p:nvPr/>
+        </p:nvPicPr>
+        <p:blipFill>
+          <a:blip r:embed="rId2"/>
+          <a:stretch>
+            <a:fillRect/>
+          </a:stretch>
+        </p:blipFill>
+        <p:spPr>
+          <a:xfrm>
+            <a:off x="838200" y="2300098"/>
+            <a:ext cx="3609524" cy="2838095"/>
+          </a:xfrm>
+          <a:prstGeom prst="rect">
+            <a:avLst/>
+          </a:prstGeom>
+        </p:spPr>
+      </p:pic>
+    </p:spTree>
+    <p:extLst>
+      <p:ext uri="{BB962C8B-B14F-4D97-AF65-F5344CB8AC3E}">
+        <p14:creationId xmlns:p14="http://schemas.microsoft.com/office/powerpoint/2010/main" val="2014928661"/>
+      </p:ext>
+    </p:extLst>
+  </p:cSld>
+  <p:clrMapOvr>
+    <a:masterClrMapping/>
+  </p:clrMapOvr>
+</p:sld>
+</file>
+
+<file path=ppt/slides/slide31.xml><?xml version="1.0" encoding="utf-8"?>
+<p:sld xmlns:a="http://schemas.openxmlformats.org/drawingml/2006/main" xmlns:r="http://schemas.openxmlformats.org/officeDocument/2006/relationships" xmlns:p="http://schemas.openxmlformats.org/presentationml/2006/main">
+  <p:cSld>
+    <p:spTree>
+      <p:nvGrpSpPr>
+        <p:cNvPr id="1" name=""/>
+        <p:cNvGrpSpPr/>
+        <p:nvPr/>
+      </p:nvGrpSpPr>
+      <p:grpSpPr>
+        <a:xfrm>
+          <a:off x="0" y="0"/>
+          <a:ext cx="0" cy="0"/>
+          <a:chOff x="0" y="0"/>
+          <a:chExt cx="0" cy="0"/>
+        </a:xfrm>
+      </p:grpSpPr>
+      <p:sp>
+        <p:nvSpPr>
+          <p:cNvPr id="2" name="标题 1">
+            <a:extLst>
+              <a:ext uri="{FF2B5EF4-FFF2-40B4-BE49-F238E27FC236}">
+                <a16:creationId xmlns:a16="http://schemas.microsoft.com/office/drawing/2014/main" id="{F423399C-A7A6-476D-9F1A-D92E11F07006}"/>
+              </a:ext>
+            </a:extLst>
+          </p:cNvPr>
+          <p:cNvSpPr>
+            <a:spLocks noGrp="1"/>
+          </p:cNvSpPr>
+          <p:nvPr>
+            <p:ph type="title"/>
+          </p:nvPr>
+        </p:nvSpPr>
+        <p:spPr/>
+        <p:txBody>
+          <a:bodyPr/>
+          <a:lstStyle/>
+          <a:p>
+            <a:r>
+              <a:rPr lang="en-US" altLang="zh-CN" dirty="0"/>
+              <a:t>Even-odd Parity</a:t>
+            </a:r>
+            <a:endParaRPr lang="zh-CN" altLang="en-US" dirty="0"/>
+          </a:p>
+        </p:txBody>
+      </p:sp>
+      <p:sp>
+        <p:nvSpPr>
+          <p:cNvPr id="3" name="内容占位符 2">
+            <a:extLst>
+              <a:ext uri="{FF2B5EF4-FFF2-40B4-BE49-F238E27FC236}">
+                <a16:creationId xmlns:a16="http://schemas.microsoft.com/office/drawing/2014/main" id="{75945F5A-BC40-4F01-A4B3-4BDD6BABECC8}"/>
+              </a:ext>
+            </a:extLst>
+          </p:cNvPr>
+          <p:cNvSpPr>
+            <a:spLocks noGrp="1"/>
+          </p:cNvSpPr>
+          <p:nvPr>
+            <p:ph idx="1"/>
+          </p:nvPr>
+        </p:nvSpPr>
+        <p:spPr/>
+        <p:txBody>
+          <a:bodyPr/>
+          <a:lstStyle/>
+          <a:p>
+            <a:r>
+              <a:rPr lang="en-US" altLang="zh-CN" dirty="0"/>
+              <a:t>Sum of all bits and even-odd check bit is </a:t>
+            </a:r>
+            <a:r>
+              <a:rPr lang="en-US" altLang="zh-CN" b="1" dirty="0"/>
+              <a:t>even</a:t>
+            </a:r>
+            <a:r>
+              <a:rPr lang="en-US" altLang="zh-CN" dirty="0"/>
+              <a:t>.</a:t>
+            </a:r>
+          </a:p>
+          <a:p>
+            <a:endParaRPr lang="en-US" altLang="zh-CN" dirty="0"/>
+          </a:p>
+          <a:p>
+            <a:endParaRPr lang="en-US" altLang="zh-CN" dirty="0"/>
+          </a:p>
+          <a:p>
+            <a:r>
+              <a:rPr lang="en-US" altLang="zh-CN" dirty="0"/>
+              <a:t>Two-dimensional parity:</a:t>
+            </a:r>
+          </a:p>
+          <a:p>
+            <a:endParaRPr lang="zh-CN" altLang="en-US" dirty="0"/>
+          </a:p>
+        </p:txBody>
+      </p:sp>
+      <p:pic>
+        <p:nvPicPr>
+          <p:cNvPr id="5" name="图片 4">
+            <a:extLst>
+              <a:ext uri="{FF2B5EF4-FFF2-40B4-BE49-F238E27FC236}">
+                <a16:creationId xmlns:a16="http://schemas.microsoft.com/office/drawing/2014/main" id="{57CA8E50-6080-44C3-A9C4-E2936DB67D4A}"/>
+              </a:ext>
+            </a:extLst>
+          </p:cNvPr>
+          <p:cNvPicPr>
+            <a:picLocks noChangeAspect="1"/>
+          </p:cNvPicPr>
+          <p:nvPr/>
+        </p:nvPicPr>
+        <p:blipFill>
+          <a:blip r:embed="rId2"/>
+          <a:stretch>
+            <a:fillRect/>
+          </a:stretch>
+        </p:blipFill>
+        <p:spPr>
+          <a:xfrm>
+            <a:off x="838200" y="2297416"/>
+            <a:ext cx="2447619" cy="961905"/>
+          </a:xfrm>
+          <a:prstGeom prst="rect">
+            <a:avLst/>
+          </a:prstGeom>
+        </p:spPr>
+      </p:pic>
+      <p:pic>
+        <p:nvPicPr>
+          <p:cNvPr id="7" name="图片 6">
+            <a:extLst>
+              <a:ext uri="{FF2B5EF4-FFF2-40B4-BE49-F238E27FC236}">
+                <a16:creationId xmlns:a16="http://schemas.microsoft.com/office/drawing/2014/main" id="{057978D7-8C55-47D7-890F-5314699FB03E}"/>
+              </a:ext>
+            </a:extLst>
+          </p:cNvPr>
+          <p:cNvPicPr>
+            <a:picLocks noChangeAspect="1"/>
+          </p:cNvPicPr>
+          <p:nvPr/>
+        </p:nvPicPr>
+        <p:blipFill>
+          <a:blip r:embed="rId3"/>
+          <a:stretch>
+            <a:fillRect/>
+          </a:stretch>
+        </p:blipFill>
+        <p:spPr>
+          <a:xfrm>
+            <a:off x="838200" y="3807070"/>
+            <a:ext cx="2582008" cy="3045962"/>
+          </a:xfrm>
+          <a:prstGeom prst="rect">
+            <a:avLst/>
+          </a:prstGeom>
+        </p:spPr>
+      </p:pic>
+    </p:spTree>
+    <p:extLst>
+      <p:ext uri="{BB962C8B-B14F-4D97-AF65-F5344CB8AC3E}">
+        <p14:creationId xmlns:p14="http://schemas.microsoft.com/office/powerpoint/2010/main" val="4009449503"/>
+      </p:ext>
+    </p:extLst>
+  </p:cSld>
+  <p:clrMapOvr>
+    <a:masterClrMapping/>
+  </p:clrMapOvr>
+</p:sld>
+</file>
+
+<file path=ppt/slides/slide32.xml><?xml version="1.0" encoding="utf-8"?>
+<p:sld xmlns:a="http://schemas.openxmlformats.org/drawingml/2006/main" xmlns:r="http://schemas.openxmlformats.org/officeDocument/2006/relationships" xmlns:p="http://schemas.openxmlformats.org/presentationml/2006/main">
+  <p:cSld>
+    <p:spTree>
+      <p:nvGrpSpPr>
+        <p:cNvPr id="1" name=""/>
+        <p:cNvGrpSpPr/>
+        <p:nvPr/>
+      </p:nvGrpSpPr>
+      <p:grpSpPr>
+        <a:xfrm>
+          <a:off x="0" y="0"/>
+          <a:ext cx="0" cy="0"/>
+          <a:chOff x="0" y="0"/>
+          <a:chExt cx="0" cy="0"/>
+        </a:xfrm>
+      </p:grpSpPr>
+      <p:sp>
+        <p:nvSpPr>
+          <p:cNvPr id="2" name="标题 1">
+            <a:extLst>
+              <a:ext uri="{FF2B5EF4-FFF2-40B4-BE49-F238E27FC236}">
+                <a16:creationId xmlns:a16="http://schemas.microsoft.com/office/drawing/2014/main" id="{763B9F21-54E3-4C7C-9DDE-2A5DB1A858B6}"/>
+              </a:ext>
+            </a:extLst>
+          </p:cNvPr>
+          <p:cNvSpPr>
+            <a:spLocks noGrp="1"/>
+          </p:cNvSpPr>
+          <p:nvPr>
+            <p:ph type="title"/>
+          </p:nvPr>
+        </p:nvSpPr>
+        <p:spPr/>
+        <p:txBody>
+          <a:bodyPr/>
+          <a:lstStyle/>
+          <a:p>
+            <a:r>
+              <a:rPr lang="en-US" altLang="zh-CN" dirty="0"/>
+              <a:t>Reference</a:t>
+            </a:r>
+            <a:endParaRPr lang="zh-CN" altLang="en-US" dirty="0"/>
+          </a:p>
+        </p:txBody>
+      </p:sp>
+      <p:sp>
+        <p:nvSpPr>
+          <p:cNvPr id="3" name="内容占位符 2">
+            <a:extLst>
+              <a:ext uri="{FF2B5EF4-FFF2-40B4-BE49-F238E27FC236}">
+                <a16:creationId xmlns:a16="http://schemas.microsoft.com/office/drawing/2014/main" id="{6223A01C-BFC5-4238-98F9-E3EE223BFB92}"/>
+              </a:ext>
+            </a:extLst>
+          </p:cNvPr>
+          <p:cNvSpPr>
+            <a:spLocks noGrp="1"/>
+          </p:cNvSpPr>
+          <p:nvPr>
+            <p:ph idx="1"/>
+          </p:nvPr>
+        </p:nvSpPr>
+        <p:spPr/>
+        <p:txBody>
+          <a:bodyPr/>
+          <a:lstStyle/>
+          <a:p>
+            <a:r>
+              <a:rPr lang="zh-CN" altLang="en-US" dirty="0"/>
+              <a:t>计算机网络：自顶向下方法</a:t>
+            </a:r>
+            <a:endParaRPr lang="en-US" altLang="zh-CN" dirty="0"/>
+          </a:p>
+          <a:p>
+            <a:r>
+              <a:rPr lang="en-US" altLang="zh-CN" dirty="0"/>
+              <a:t>TCP/IP</a:t>
+            </a:r>
+            <a:r>
+              <a:rPr lang="zh-CN" altLang="en-US" dirty="0"/>
+              <a:t>详解：卷一</a:t>
+            </a:r>
+            <a:endParaRPr lang="en-US" altLang="zh-CN" dirty="0"/>
+          </a:p>
+          <a:p>
+            <a:r>
+              <a:rPr lang="en-US" altLang="zh-CN" dirty="0"/>
+              <a:t>Wireshark</a:t>
+            </a:r>
+            <a:r>
+              <a:rPr lang="zh-CN" altLang="en-US" dirty="0"/>
+              <a:t>数据包分析实战</a:t>
+            </a:r>
+          </a:p>
+        </p:txBody>
+      </p:sp>
+    </p:spTree>
+    <p:extLst>
+      <p:ext uri="{BB962C8B-B14F-4D97-AF65-F5344CB8AC3E}">
+        <p14:creationId xmlns:p14="http://schemas.microsoft.com/office/powerpoint/2010/main" val="662275819"/>
       </p:ext>
     </p:extLst>
   </p:cSld>
